--- a/documents/praesentation.pptx
+++ b/documents/praesentation.pptx
@@ -13,19 +13,20 @@
     <p:sldId id="262" r:id="rId7"/>
     <p:sldId id="261" r:id="rId8"/>
     <p:sldId id="259" r:id="rId9"/>
-    <p:sldId id="264" r:id="rId10"/>
-    <p:sldId id="265" r:id="rId11"/>
-    <p:sldId id="266" r:id="rId12"/>
+    <p:sldId id="268" r:id="rId10"/>
+    <p:sldId id="264" r:id="rId11"/>
+    <p:sldId id="265" r:id="rId12"/>
+    <p:sldId id="266" r:id="rId13"/>
   </p:sldIdLst>
   <p:sldSz cx="12192000" cy="6858000"/>
   <p:notesSz cx="6858000" cy="9144000"/>
   <p:embeddedFontLst>
     <p:embeddedFont>
       <p:font typeface="Open Sans" panose="020B0604020202020204" charset="0"/>
-      <p:regular r:id="rId13"/>
-      <p:bold r:id="rId14"/>
-      <p:italic r:id="rId15"/>
-      <p:boldItalic r:id="rId16"/>
+      <p:regular r:id="rId14"/>
+      <p:bold r:id="rId15"/>
+      <p:italic r:id="rId16"/>
+      <p:boldItalic r:id="rId17"/>
     </p:embeddedFont>
   </p:embeddedFontLst>
   <p:defaultTextStyle>
@@ -878,6 +879,753 @@
 </dgm:colorsDef>
 </file>
 
+<file path=ppt/diagrams/colors2.xml><?xml version="1.0" encoding="utf-8"?>
+<dgm:colorsDef xmlns:dgm="http://schemas.openxmlformats.org/drawingml/2006/diagram" xmlns:a="http://schemas.openxmlformats.org/drawingml/2006/main" uniqueId="urn:microsoft.com/office/officeart/2005/8/colors/accent1_2">
+  <dgm:title val=""/>
+  <dgm:desc val=""/>
+  <dgm:catLst>
+    <dgm:cat type="accent1" pri="11200"/>
+  </dgm:catLst>
+  <dgm:styleLbl name="node0">
+    <dgm:fillClrLst meth="repeat">
+      <a:schemeClr val="accent1"/>
+    </dgm:fillClrLst>
+    <dgm:linClrLst meth="repeat">
+      <a:schemeClr val="lt1"/>
+    </dgm:linClrLst>
+    <dgm:effectClrLst/>
+    <dgm:txLinClrLst/>
+    <dgm:txFillClrLst/>
+    <dgm:txEffectClrLst/>
+  </dgm:styleLbl>
+  <dgm:styleLbl name="alignNode1">
+    <dgm:fillClrLst meth="repeat">
+      <a:schemeClr val="accent1"/>
+    </dgm:fillClrLst>
+    <dgm:linClrLst meth="repeat">
+      <a:schemeClr val="accent1"/>
+    </dgm:linClrLst>
+    <dgm:effectClrLst/>
+    <dgm:txLinClrLst/>
+    <dgm:txFillClrLst/>
+    <dgm:txEffectClrLst/>
+  </dgm:styleLbl>
+  <dgm:styleLbl name="node1">
+    <dgm:fillClrLst meth="repeat">
+      <a:schemeClr val="accent1"/>
+    </dgm:fillClrLst>
+    <dgm:linClrLst meth="repeat">
+      <a:schemeClr val="lt1"/>
+    </dgm:linClrLst>
+    <dgm:effectClrLst/>
+    <dgm:txLinClrLst/>
+    <dgm:txFillClrLst/>
+    <dgm:txEffectClrLst/>
+  </dgm:styleLbl>
+  <dgm:styleLbl name="lnNode1">
+    <dgm:fillClrLst meth="repeat">
+      <a:schemeClr val="accent1"/>
+    </dgm:fillClrLst>
+    <dgm:linClrLst meth="repeat">
+      <a:schemeClr val="lt1"/>
+    </dgm:linClrLst>
+    <dgm:effectClrLst/>
+    <dgm:txLinClrLst/>
+    <dgm:txFillClrLst/>
+    <dgm:txEffectClrLst/>
+  </dgm:styleLbl>
+  <dgm:styleLbl name="vennNode1">
+    <dgm:fillClrLst meth="repeat">
+      <a:schemeClr val="accent1">
+        <a:alpha val="50000"/>
+      </a:schemeClr>
+    </dgm:fillClrLst>
+    <dgm:linClrLst meth="repeat">
+      <a:schemeClr val="lt1"/>
+    </dgm:linClrLst>
+    <dgm:effectClrLst/>
+    <dgm:txLinClrLst/>
+    <dgm:txFillClrLst/>
+    <dgm:txEffectClrLst/>
+  </dgm:styleLbl>
+  <dgm:styleLbl name="node2">
+    <dgm:fillClrLst meth="repeat">
+      <a:schemeClr val="accent1"/>
+    </dgm:fillClrLst>
+    <dgm:linClrLst meth="repeat">
+      <a:schemeClr val="lt1"/>
+    </dgm:linClrLst>
+    <dgm:effectClrLst/>
+    <dgm:txLinClrLst/>
+    <dgm:txFillClrLst/>
+    <dgm:txEffectClrLst/>
+  </dgm:styleLbl>
+  <dgm:styleLbl name="node3">
+    <dgm:fillClrLst meth="repeat">
+      <a:schemeClr val="accent1"/>
+    </dgm:fillClrLst>
+    <dgm:linClrLst meth="repeat">
+      <a:schemeClr val="lt1"/>
+    </dgm:linClrLst>
+    <dgm:effectClrLst/>
+    <dgm:txLinClrLst/>
+    <dgm:txFillClrLst/>
+    <dgm:txEffectClrLst/>
+  </dgm:styleLbl>
+  <dgm:styleLbl name="node4">
+    <dgm:fillClrLst meth="repeat">
+      <a:schemeClr val="accent1"/>
+    </dgm:fillClrLst>
+    <dgm:linClrLst meth="repeat">
+      <a:schemeClr val="lt1"/>
+    </dgm:linClrLst>
+    <dgm:effectClrLst/>
+    <dgm:txLinClrLst/>
+    <dgm:txFillClrLst/>
+    <dgm:txEffectClrLst/>
+  </dgm:styleLbl>
+  <dgm:styleLbl name="fgImgPlace1">
+    <dgm:fillClrLst meth="repeat">
+      <a:schemeClr val="accent1">
+        <a:tint val="50000"/>
+      </a:schemeClr>
+    </dgm:fillClrLst>
+    <dgm:linClrLst meth="repeat">
+      <a:schemeClr val="lt1"/>
+    </dgm:linClrLst>
+    <dgm:effectClrLst/>
+    <dgm:txLinClrLst/>
+    <dgm:txFillClrLst meth="repeat">
+      <a:schemeClr val="lt1"/>
+    </dgm:txFillClrLst>
+    <dgm:txEffectClrLst/>
+  </dgm:styleLbl>
+  <dgm:styleLbl name="alignImgPlace1">
+    <dgm:fillClrLst meth="repeat">
+      <a:schemeClr val="accent1">
+        <a:tint val="50000"/>
+      </a:schemeClr>
+    </dgm:fillClrLst>
+    <dgm:linClrLst meth="repeat">
+      <a:schemeClr val="lt1"/>
+    </dgm:linClrLst>
+    <dgm:effectClrLst/>
+    <dgm:txLinClrLst/>
+    <dgm:txFillClrLst meth="repeat">
+      <a:schemeClr val="lt1"/>
+    </dgm:txFillClrLst>
+    <dgm:txEffectClrLst/>
+  </dgm:styleLbl>
+  <dgm:styleLbl name="bgImgPlace1">
+    <dgm:fillClrLst meth="repeat">
+      <a:schemeClr val="accent1">
+        <a:tint val="50000"/>
+      </a:schemeClr>
+    </dgm:fillClrLst>
+    <dgm:linClrLst meth="repeat">
+      <a:schemeClr val="lt1"/>
+    </dgm:linClrLst>
+    <dgm:effectClrLst/>
+    <dgm:txLinClrLst/>
+    <dgm:txFillClrLst meth="repeat">
+      <a:schemeClr val="lt1"/>
+    </dgm:txFillClrLst>
+    <dgm:txEffectClrLst/>
+  </dgm:styleLbl>
+  <dgm:styleLbl name="sibTrans2D1">
+    <dgm:fillClrLst meth="repeat">
+      <a:schemeClr val="accent1">
+        <a:tint val="60000"/>
+      </a:schemeClr>
+    </dgm:fillClrLst>
+    <dgm:linClrLst meth="repeat">
+      <a:schemeClr val="accent1">
+        <a:tint val="60000"/>
+      </a:schemeClr>
+    </dgm:linClrLst>
+    <dgm:effectClrLst/>
+    <dgm:txLinClrLst/>
+    <dgm:txFillClrLst/>
+    <dgm:txEffectClrLst/>
+  </dgm:styleLbl>
+  <dgm:styleLbl name="fgSibTrans2D1">
+    <dgm:fillClrLst meth="repeat">
+      <a:schemeClr val="accent1">
+        <a:tint val="60000"/>
+      </a:schemeClr>
+    </dgm:fillClrLst>
+    <dgm:linClrLst meth="repeat">
+      <a:schemeClr val="accent1">
+        <a:tint val="60000"/>
+      </a:schemeClr>
+    </dgm:linClrLst>
+    <dgm:effectClrLst/>
+    <dgm:txLinClrLst/>
+    <dgm:txFillClrLst/>
+    <dgm:txEffectClrLst/>
+  </dgm:styleLbl>
+  <dgm:styleLbl name="bgSibTrans2D1">
+    <dgm:fillClrLst meth="repeat">
+      <a:schemeClr val="accent1">
+        <a:tint val="60000"/>
+      </a:schemeClr>
+    </dgm:fillClrLst>
+    <dgm:linClrLst meth="repeat">
+      <a:schemeClr val="accent1">
+        <a:tint val="60000"/>
+      </a:schemeClr>
+    </dgm:linClrLst>
+    <dgm:effectClrLst/>
+    <dgm:txLinClrLst/>
+    <dgm:txFillClrLst/>
+    <dgm:txEffectClrLst/>
+  </dgm:styleLbl>
+  <dgm:styleLbl name="sibTrans1D1">
+    <dgm:fillClrLst meth="repeat">
+      <a:schemeClr val="accent1"/>
+    </dgm:fillClrLst>
+    <dgm:linClrLst meth="repeat">
+      <a:schemeClr val="accent1"/>
+    </dgm:linClrLst>
+    <dgm:effectClrLst/>
+    <dgm:txLinClrLst/>
+    <dgm:txFillClrLst meth="repeat">
+      <a:schemeClr val="tx1"/>
+    </dgm:txFillClrLst>
+    <dgm:txEffectClrLst/>
+  </dgm:styleLbl>
+  <dgm:styleLbl name="callout">
+    <dgm:fillClrLst meth="repeat">
+      <a:schemeClr val="accent1"/>
+    </dgm:fillClrLst>
+    <dgm:linClrLst meth="repeat">
+      <a:schemeClr val="accent1">
+        <a:tint val="50000"/>
+      </a:schemeClr>
+    </dgm:linClrLst>
+    <dgm:effectClrLst/>
+    <dgm:txLinClrLst/>
+    <dgm:txFillClrLst meth="repeat">
+      <a:schemeClr val="tx1"/>
+    </dgm:txFillClrLst>
+    <dgm:txEffectClrLst/>
+  </dgm:styleLbl>
+  <dgm:styleLbl name="asst0">
+    <dgm:fillClrLst meth="repeat">
+      <a:schemeClr val="accent1"/>
+    </dgm:fillClrLst>
+    <dgm:linClrLst meth="repeat">
+      <a:schemeClr val="lt1"/>
+    </dgm:linClrLst>
+    <dgm:effectClrLst/>
+    <dgm:txLinClrLst/>
+    <dgm:txFillClrLst/>
+    <dgm:txEffectClrLst/>
+  </dgm:styleLbl>
+  <dgm:styleLbl name="asst1">
+    <dgm:fillClrLst meth="repeat">
+      <a:schemeClr val="accent1"/>
+    </dgm:fillClrLst>
+    <dgm:linClrLst meth="repeat">
+      <a:schemeClr val="lt1"/>
+    </dgm:linClrLst>
+    <dgm:effectClrLst/>
+    <dgm:txLinClrLst/>
+    <dgm:txFillClrLst/>
+    <dgm:txEffectClrLst/>
+  </dgm:styleLbl>
+  <dgm:styleLbl name="asst2">
+    <dgm:fillClrLst meth="repeat">
+      <a:schemeClr val="accent1"/>
+    </dgm:fillClrLst>
+    <dgm:linClrLst meth="repeat">
+      <a:schemeClr val="lt1"/>
+    </dgm:linClrLst>
+    <dgm:effectClrLst/>
+    <dgm:txLinClrLst/>
+    <dgm:txFillClrLst/>
+    <dgm:txEffectClrLst/>
+  </dgm:styleLbl>
+  <dgm:styleLbl name="asst3">
+    <dgm:fillClrLst meth="repeat">
+      <a:schemeClr val="accent1"/>
+    </dgm:fillClrLst>
+    <dgm:linClrLst meth="repeat">
+      <a:schemeClr val="lt1"/>
+    </dgm:linClrLst>
+    <dgm:effectClrLst/>
+    <dgm:txLinClrLst/>
+    <dgm:txFillClrLst/>
+    <dgm:txEffectClrLst/>
+  </dgm:styleLbl>
+  <dgm:styleLbl name="asst4">
+    <dgm:fillClrLst meth="repeat">
+      <a:schemeClr val="accent1"/>
+    </dgm:fillClrLst>
+    <dgm:linClrLst meth="repeat">
+      <a:schemeClr val="lt1"/>
+    </dgm:linClrLst>
+    <dgm:effectClrLst/>
+    <dgm:txLinClrLst/>
+    <dgm:txFillClrLst/>
+    <dgm:txEffectClrLst/>
+  </dgm:styleLbl>
+  <dgm:styleLbl name="parChTrans2D1">
+    <dgm:fillClrLst meth="repeat">
+      <a:schemeClr val="accent1">
+        <a:tint val="60000"/>
+      </a:schemeClr>
+    </dgm:fillClrLst>
+    <dgm:linClrLst meth="repeat">
+      <a:schemeClr val="accent1">
+        <a:tint val="60000"/>
+      </a:schemeClr>
+    </dgm:linClrLst>
+    <dgm:effectClrLst/>
+    <dgm:txLinClrLst/>
+    <dgm:txFillClrLst meth="repeat">
+      <a:schemeClr val="lt1"/>
+    </dgm:txFillClrLst>
+    <dgm:txEffectClrLst/>
+  </dgm:styleLbl>
+  <dgm:styleLbl name="parChTrans2D2">
+    <dgm:fillClrLst meth="repeat">
+      <a:schemeClr val="accent1"/>
+    </dgm:fillClrLst>
+    <dgm:linClrLst meth="repeat">
+      <a:schemeClr val="accent1"/>
+    </dgm:linClrLst>
+    <dgm:effectClrLst/>
+    <dgm:txLinClrLst/>
+    <dgm:txFillClrLst meth="repeat">
+      <a:schemeClr val="lt1"/>
+    </dgm:txFillClrLst>
+    <dgm:txEffectClrLst/>
+  </dgm:styleLbl>
+  <dgm:styleLbl name="parChTrans2D3">
+    <dgm:fillClrLst meth="repeat">
+      <a:schemeClr val="accent1"/>
+    </dgm:fillClrLst>
+    <dgm:linClrLst meth="repeat">
+      <a:schemeClr val="accent1"/>
+    </dgm:linClrLst>
+    <dgm:effectClrLst/>
+    <dgm:txLinClrLst/>
+    <dgm:txFillClrLst meth="repeat">
+      <a:schemeClr val="lt1"/>
+    </dgm:txFillClrLst>
+    <dgm:txEffectClrLst/>
+  </dgm:styleLbl>
+  <dgm:styleLbl name="parChTrans2D4">
+    <dgm:fillClrLst meth="repeat">
+      <a:schemeClr val="accent1"/>
+    </dgm:fillClrLst>
+    <dgm:linClrLst meth="repeat">
+      <a:schemeClr val="accent1"/>
+    </dgm:linClrLst>
+    <dgm:effectClrLst/>
+    <dgm:txLinClrLst/>
+    <dgm:txFillClrLst meth="repeat">
+      <a:schemeClr val="lt1"/>
+    </dgm:txFillClrLst>
+    <dgm:txEffectClrLst/>
+  </dgm:styleLbl>
+  <dgm:styleLbl name="parChTrans1D1">
+    <dgm:fillClrLst meth="repeat">
+      <a:schemeClr val="accent1"/>
+    </dgm:fillClrLst>
+    <dgm:linClrLst meth="repeat">
+      <a:schemeClr val="accent1">
+        <a:shade val="60000"/>
+      </a:schemeClr>
+    </dgm:linClrLst>
+    <dgm:effectClrLst/>
+    <dgm:txLinClrLst/>
+    <dgm:txFillClrLst meth="repeat">
+      <a:schemeClr val="tx1"/>
+    </dgm:txFillClrLst>
+    <dgm:txEffectClrLst/>
+  </dgm:styleLbl>
+  <dgm:styleLbl name="parChTrans1D2">
+    <dgm:fillClrLst meth="repeat">
+      <a:schemeClr val="accent1"/>
+    </dgm:fillClrLst>
+    <dgm:linClrLst meth="repeat">
+      <a:schemeClr val="accent1">
+        <a:shade val="60000"/>
+      </a:schemeClr>
+    </dgm:linClrLst>
+    <dgm:effectClrLst/>
+    <dgm:txLinClrLst/>
+    <dgm:txFillClrLst meth="repeat">
+      <a:schemeClr val="tx1"/>
+    </dgm:txFillClrLst>
+    <dgm:txEffectClrLst/>
+  </dgm:styleLbl>
+  <dgm:styleLbl name="parChTrans1D3">
+    <dgm:fillClrLst meth="repeat">
+      <a:schemeClr val="accent1"/>
+    </dgm:fillClrLst>
+    <dgm:linClrLst meth="repeat">
+      <a:schemeClr val="accent1">
+        <a:shade val="80000"/>
+      </a:schemeClr>
+    </dgm:linClrLst>
+    <dgm:effectClrLst/>
+    <dgm:txLinClrLst/>
+    <dgm:txFillClrLst meth="repeat">
+      <a:schemeClr val="tx1"/>
+    </dgm:txFillClrLst>
+    <dgm:txEffectClrLst/>
+  </dgm:styleLbl>
+  <dgm:styleLbl name="parChTrans1D4">
+    <dgm:fillClrLst meth="repeat">
+      <a:schemeClr val="accent1"/>
+    </dgm:fillClrLst>
+    <dgm:linClrLst meth="repeat">
+      <a:schemeClr val="accent1">
+        <a:shade val="80000"/>
+      </a:schemeClr>
+    </dgm:linClrLst>
+    <dgm:effectClrLst/>
+    <dgm:txLinClrLst/>
+    <dgm:txFillClrLst meth="repeat">
+      <a:schemeClr val="tx1"/>
+    </dgm:txFillClrLst>
+    <dgm:txEffectClrLst/>
+  </dgm:styleLbl>
+  <dgm:styleLbl name="fgAcc1">
+    <dgm:fillClrLst meth="repeat">
+      <a:schemeClr val="lt1">
+        <a:alpha val="90000"/>
+      </a:schemeClr>
+    </dgm:fillClrLst>
+    <dgm:linClrLst meth="repeat">
+      <a:schemeClr val="accent1"/>
+    </dgm:linClrLst>
+    <dgm:effectClrLst/>
+    <dgm:txLinClrLst/>
+    <dgm:txFillClrLst meth="repeat">
+      <a:schemeClr val="dk1"/>
+    </dgm:txFillClrLst>
+    <dgm:txEffectClrLst/>
+  </dgm:styleLbl>
+  <dgm:styleLbl name="conFgAcc1">
+    <dgm:fillClrLst meth="repeat">
+      <a:schemeClr val="lt1">
+        <a:alpha val="90000"/>
+      </a:schemeClr>
+    </dgm:fillClrLst>
+    <dgm:linClrLst meth="repeat">
+      <a:schemeClr val="accent1"/>
+    </dgm:linClrLst>
+    <dgm:effectClrLst/>
+    <dgm:txLinClrLst/>
+    <dgm:txFillClrLst meth="repeat">
+      <a:schemeClr val="dk1"/>
+    </dgm:txFillClrLst>
+    <dgm:txEffectClrLst/>
+  </dgm:styleLbl>
+  <dgm:styleLbl name="alignAcc1">
+    <dgm:fillClrLst meth="repeat">
+      <a:schemeClr val="lt1">
+        <a:alpha val="90000"/>
+      </a:schemeClr>
+    </dgm:fillClrLst>
+    <dgm:linClrLst meth="repeat">
+      <a:schemeClr val="accent1"/>
+    </dgm:linClrLst>
+    <dgm:effectClrLst/>
+    <dgm:txLinClrLst/>
+    <dgm:txFillClrLst meth="repeat">
+      <a:schemeClr val="dk1"/>
+    </dgm:txFillClrLst>
+    <dgm:txEffectClrLst/>
+  </dgm:styleLbl>
+  <dgm:styleLbl name="trAlignAcc1">
+    <dgm:fillClrLst meth="repeat">
+      <a:schemeClr val="lt1">
+        <a:alpha val="40000"/>
+      </a:schemeClr>
+    </dgm:fillClrLst>
+    <dgm:linClrLst meth="repeat">
+      <a:schemeClr val="accent1"/>
+    </dgm:linClrLst>
+    <dgm:effectClrLst/>
+    <dgm:txLinClrLst/>
+    <dgm:txFillClrLst meth="repeat">
+      <a:schemeClr val="dk1"/>
+    </dgm:txFillClrLst>
+    <dgm:txEffectClrLst/>
+  </dgm:styleLbl>
+  <dgm:styleLbl name="bgAcc1">
+    <dgm:fillClrLst meth="repeat">
+      <a:schemeClr val="lt1">
+        <a:alpha val="90000"/>
+      </a:schemeClr>
+    </dgm:fillClrLst>
+    <dgm:linClrLst meth="repeat">
+      <a:schemeClr val="accent1"/>
+    </dgm:linClrLst>
+    <dgm:effectClrLst/>
+    <dgm:txLinClrLst/>
+    <dgm:txFillClrLst meth="repeat">
+      <a:schemeClr val="dk1"/>
+    </dgm:txFillClrLst>
+    <dgm:txEffectClrLst/>
+  </dgm:styleLbl>
+  <dgm:styleLbl name="solidFgAcc1">
+    <dgm:fillClrLst meth="repeat">
+      <a:schemeClr val="lt1"/>
+    </dgm:fillClrLst>
+    <dgm:linClrLst meth="repeat">
+      <a:schemeClr val="accent1"/>
+    </dgm:linClrLst>
+    <dgm:effectClrLst/>
+    <dgm:txLinClrLst/>
+    <dgm:txFillClrLst meth="repeat">
+      <a:schemeClr val="dk1"/>
+    </dgm:txFillClrLst>
+    <dgm:txEffectClrLst/>
+  </dgm:styleLbl>
+  <dgm:styleLbl name="solidAlignAcc1">
+    <dgm:fillClrLst meth="repeat">
+      <a:schemeClr val="lt1"/>
+    </dgm:fillClrLst>
+    <dgm:linClrLst meth="repeat">
+      <a:schemeClr val="accent1"/>
+    </dgm:linClrLst>
+    <dgm:effectClrLst/>
+    <dgm:txLinClrLst/>
+    <dgm:txFillClrLst meth="repeat">
+      <a:schemeClr val="dk1"/>
+    </dgm:txFillClrLst>
+    <dgm:txEffectClrLst/>
+  </dgm:styleLbl>
+  <dgm:styleLbl name="solidBgAcc1">
+    <dgm:fillClrLst meth="repeat">
+      <a:schemeClr val="lt1"/>
+    </dgm:fillClrLst>
+    <dgm:linClrLst meth="repeat">
+      <a:schemeClr val="accent1"/>
+    </dgm:linClrLst>
+    <dgm:effectClrLst/>
+    <dgm:txLinClrLst/>
+    <dgm:txFillClrLst meth="repeat">
+      <a:schemeClr val="dk1"/>
+    </dgm:txFillClrLst>
+    <dgm:txEffectClrLst/>
+  </dgm:styleLbl>
+  <dgm:styleLbl name="fgAccFollowNode1">
+    <dgm:fillClrLst meth="repeat">
+      <a:schemeClr val="accent1">
+        <a:alpha val="90000"/>
+        <a:tint val="40000"/>
+      </a:schemeClr>
+    </dgm:fillClrLst>
+    <dgm:linClrLst meth="repeat">
+      <a:schemeClr val="accent1">
+        <a:alpha val="90000"/>
+        <a:tint val="40000"/>
+      </a:schemeClr>
+    </dgm:linClrLst>
+    <dgm:effectClrLst/>
+    <dgm:txLinClrLst/>
+    <dgm:txFillClrLst meth="repeat">
+      <a:schemeClr val="dk1"/>
+    </dgm:txFillClrLst>
+    <dgm:txEffectClrLst/>
+  </dgm:styleLbl>
+  <dgm:styleLbl name="alignAccFollowNode1">
+    <dgm:fillClrLst meth="repeat">
+      <a:schemeClr val="accent1">
+        <a:alpha val="90000"/>
+        <a:tint val="40000"/>
+      </a:schemeClr>
+    </dgm:fillClrLst>
+    <dgm:linClrLst meth="repeat">
+      <a:schemeClr val="accent1">
+        <a:alpha val="90000"/>
+        <a:tint val="40000"/>
+      </a:schemeClr>
+    </dgm:linClrLst>
+    <dgm:effectClrLst/>
+    <dgm:txLinClrLst/>
+    <dgm:txFillClrLst meth="repeat">
+      <a:schemeClr val="dk1"/>
+    </dgm:txFillClrLst>
+    <dgm:txEffectClrLst/>
+  </dgm:styleLbl>
+  <dgm:styleLbl name="bgAccFollowNode1">
+    <dgm:fillClrLst meth="repeat">
+      <a:schemeClr val="accent1">
+        <a:alpha val="90000"/>
+        <a:tint val="40000"/>
+      </a:schemeClr>
+    </dgm:fillClrLst>
+    <dgm:linClrLst meth="repeat">
+      <a:schemeClr val="accent1">
+        <a:alpha val="90000"/>
+        <a:tint val="40000"/>
+      </a:schemeClr>
+    </dgm:linClrLst>
+    <dgm:effectClrLst/>
+    <dgm:txLinClrLst/>
+    <dgm:txFillClrLst meth="repeat">
+      <a:schemeClr val="dk1"/>
+    </dgm:txFillClrLst>
+    <dgm:txEffectClrLst/>
+  </dgm:styleLbl>
+  <dgm:styleLbl name="fgAcc0">
+    <dgm:fillClrLst meth="repeat">
+      <a:schemeClr val="lt1">
+        <a:alpha val="90000"/>
+      </a:schemeClr>
+    </dgm:fillClrLst>
+    <dgm:linClrLst meth="repeat">
+      <a:schemeClr val="accent1"/>
+    </dgm:linClrLst>
+    <dgm:effectClrLst/>
+    <dgm:txLinClrLst/>
+    <dgm:txFillClrLst meth="repeat">
+      <a:schemeClr val="dk1"/>
+    </dgm:txFillClrLst>
+    <dgm:txEffectClrLst/>
+  </dgm:styleLbl>
+  <dgm:styleLbl name="fgAcc2">
+    <dgm:fillClrLst meth="repeat">
+      <a:schemeClr val="lt1">
+        <a:alpha val="90000"/>
+      </a:schemeClr>
+    </dgm:fillClrLst>
+    <dgm:linClrLst meth="repeat">
+      <a:schemeClr val="accent1"/>
+    </dgm:linClrLst>
+    <dgm:effectClrLst/>
+    <dgm:txLinClrLst/>
+    <dgm:txFillClrLst meth="repeat">
+      <a:schemeClr val="dk1"/>
+    </dgm:txFillClrLst>
+    <dgm:txEffectClrLst/>
+  </dgm:styleLbl>
+  <dgm:styleLbl name="fgAcc3">
+    <dgm:fillClrLst meth="repeat">
+      <a:schemeClr val="lt1">
+        <a:alpha val="90000"/>
+      </a:schemeClr>
+    </dgm:fillClrLst>
+    <dgm:linClrLst meth="repeat">
+      <a:schemeClr val="accent1"/>
+    </dgm:linClrLst>
+    <dgm:effectClrLst/>
+    <dgm:txLinClrLst/>
+    <dgm:txFillClrLst meth="repeat">
+      <a:schemeClr val="dk1"/>
+    </dgm:txFillClrLst>
+    <dgm:txEffectClrLst/>
+  </dgm:styleLbl>
+  <dgm:styleLbl name="fgAcc4">
+    <dgm:fillClrLst meth="repeat">
+      <a:schemeClr val="lt1">
+        <a:alpha val="90000"/>
+      </a:schemeClr>
+    </dgm:fillClrLst>
+    <dgm:linClrLst meth="repeat">
+      <a:schemeClr val="accent1"/>
+    </dgm:linClrLst>
+    <dgm:effectClrLst/>
+    <dgm:txLinClrLst/>
+    <dgm:txFillClrLst meth="repeat">
+      <a:schemeClr val="dk1"/>
+    </dgm:txFillClrLst>
+    <dgm:txEffectClrLst/>
+  </dgm:styleLbl>
+  <dgm:styleLbl name="bgShp">
+    <dgm:fillClrLst meth="repeat">
+      <a:schemeClr val="accent1">
+        <a:tint val="40000"/>
+      </a:schemeClr>
+    </dgm:fillClrLst>
+    <dgm:linClrLst meth="repeat">
+      <a:schemeClr val="accent1"/>
+    </dgm:linClrLst>
+    <dgm:effectClrLst/>
+    <dgm:txLinClrLst/>
+    <dgm:txFillClrLst meth="repeat">
+      <a:schemeClr val="dk1"/>
+    </dgm:txFillClrLst>
+    <dgm:txEffectClrLst/>
+  </dgm:styleLbl>
+  <dgm:styleLbl name="dkBgShp">
+    <dgm:fillClrLst meth="repeat">
+      <a:schemeClr val="accent1">
+        <a:shade val="80000"/>
+      </a:schemeClr>
+    </dgm:fillClrLst>
+    <dgm:linClrLst meth="repeat">
+      <a:schemeClr val="accent1"/>
+    </dgm:linClrLst>
+    <dgm:effectClrLst/>
+    <dgm:txLinClrLst/>
+    <dgm:txFillClrLst meth="repeat">
+      <a:schemeClr val="lt1"/>
+    </dgm:txFillClrLst>
+    <dgm:txEffectClrLst/>
+  </dgm:styleLbl>
+  <dgm:styleLbl name="trBgShp">
+    <dgm:fillClrLst meth="repeat">
+      <a:schemeClr val="accent1">
+        <a:tint val="50000"/>
+        <a:alpha val="40000"/>
+      </a:schemeClr>
+    </dgm:fillClrLst>
+    <dgm:linClrLst meth="repeat">
+      <a:schemeClr val="accent1"/>
+    </dgm:linClrLst>
+    <dgm:effectClrLst/>
+    <dgm:txLinClrLst/>
+    <dgm:txFillClrLst meth="repeat">
+      <a:schemeClr val="lt1"/>
+    </dgm:txFillClrLst>
+    <dgm:txEffectClrLst/>
+  </dgm:styleLbl>
+  <dgm:styleLbl name="fgShp">
+    <dgm:fillClrLst meth="repeat">
+      <a:schemeClr val="accent1">
+        <a:tint val="60000"/>
+      </a:schemeClr>
+    </dgm:fillClrLst>
+    <dgm:linClrLst meth="repeat">
+      <a:schemeClr val="lt1"/>
+    </dgm:linClrLst>
+    <dgm:effectClrLst/>
+    <dgm:txLinClrLst/>
+    <dgm:txFillClrLst meth="repeat">
+      <a:schemeClr val="dk1"/>
+    </dgm:txFillClrLst>
+    <dgm:txEffectClrLst/>
+  </dgm:styleLbl>
+  <dgm:styleLbl name="revTx">
+    <dgm:fillClrLst meth="repeat">
+      <a:schemeClr val="lt1">
+        <a:alpha val="0"/>
+      </a:schemeClr>
+    </dgm:fillClrLst>
+    <dgm:linClrLst meth="repeat">
+      <a:schemeClr val="dk1">
+        <a:alpha val="0"/>
+      </a:schemeClr>
+    </dgm:linClrLst>
+    <dgm:effectClrLst/>
+    <dgm:txLinClrLst/>
+    <dgm:txFillClrLst meth="repeat">
+      <a:schemeClr val="tx1"/>
+    </dgm:txFillClrLst>
+    <dgm:txEffectClrLst/>
+  </dgm:styleLbl>
+</dgm:colorsDef>
+</file>
+
 <file path=ppt/diagrams/data1.xml><?xml version="1.0" encoding="utf-8"?>
 <dgm:dataModel xmlns:dgm="http://schemas.openxmlformats.org/drawingml/2006/diagram" xmlns:a="http://schemas.openxmlformats.org/drawingml/2006/main">
   <dgm:ptLst>
@@ -973,7 +1721,7 @@
         <a:p>
           <a:r>
             <a:rPr lang="de-DE" dirty="0"/>
-            <a:t>Struktur von Skills anschauen und Schreiben eigener Skills</a:t>
+            <a:t>Struktur von Skills anschauen und Schreiben kleiner Test-Skills</a:t>
           </a:r>
         </a:p>
       </dgm:t>
@@ -1732,6 +2480,559 @@
 </dgm:dataModel>
 </file>
 
+<file path=ppt/diagrams/data2.xml><?xml version="1.0" encoding="utf-8"?>
+<dgm:dataModel xmlns:dgm="http://schemas.openxmlformats.org/drawingml/2006/diagram" xmlns:a="http://schemas.openxmlformats.org/drawingml/2006/main">
+  <dgm:ptLst>
+    <dgm:pt modelId="{0C0FF476-6A4E-4C4F-A530-F141E47EC15F}" type="doc">
+      <dgm:prSet loTypeId="urn:microsoft.com/office/officeart/2005/8/layout/hList1" loCatId="list" qsTypeId="urn:microsoft.com/office/officeart/2005/8/quickstyle/simple1" qsCatId="simple" csTypeId="urn:microsoft.com/office/officeart/2005/8/colors/accent1_2" csCatId="accent1" phldr="1"/>
+      <dgm:spPr/>
+      <dgm:t>
+        <a:bodyPr/>
+        <a:lstStyle/>
+        <a:p>
+          <a:endParaRPr lang="de-DE"/>
+        </a:p>
+      </dgm:t>
+    </dgm:pt>
+    <dgm:pt modelId="{21DF37A8-7DE6-4EF6-B356-2D07876034A6}">
+      <dgm:prSet phldrT="[Text]"/>
+      <dgm:spPr/>
+      <dgm:t>
+        <a:bodyPr/>
+        <a:lstStyle/>
+        <a:p>
+          <a:r>
+            <a:rPr lang="de-DE" dirty="0"/>
+            <a:t>Vorteile</a:t>
+          </a:r>
+        </a:p>
+      </dgm:t>
+    </dgm:pt>
+    <dgm:pt modelId="{E3CD110D-AE91-4E68-846A-9B44FEE04EF9}" type="parTrans" cxnId="{4BDEE510-65BA-4DD3-A4CB-E2ECD41CEFA9}">
+      <dgm:prSet/>
+      <dgm:spPr/>
+      <dgm:t>
+        <a:bodyPr/>
+        <a:lstStyle/>
+        <a:p>
+          <a:endParaRPr lang="de-DE"/>
+        </a:p>
+      </dgm:t>
+    </dgm:pt>
+    <dgm:pt modelId="{7FB9F4BB-0625-4DC7-B6E4-975D4DF81A3B}" type="sibTrans" cxnId="{4BDEE510-65BA-4DD3-A4CB-E2ECD41CEFA9}">
+      <dgm:prSet/>
+      <dgm:spPr/>
+      <dgm:t>
+        <a:bodyPr/>
+        <a:lstStyle/>
+        <a:p>
+          <a:endParaRPr lang="de-DE"/>
+        </a:p>
+      </dgm:t>
+    </dgm:pt>
+    <dgm:pt modelId="{26F1B81C-3645-4F5E-8EAC-8A22067694EB}">
+      <dgm:prSet phldrT="[Text]"/>
+      <dgm:spPr/>
+      <dgm:t>
+        <a:bodyPr/>
+        <a:lstStyle/>
+        <a:p>
+          <a:r>
+            <a:rPr lang="de-DE" dirty="0"/>
+            <a:t>Besserer Datenschutz als Konkurrenz</a:t>
+          </a:r>
+        </a:p>
+      </dgm:t>
+    </dgm:pt>
+    <dgm:pt modelId="{CE4B0794-0307-46F4-92B5-106FB8CC7DD9}" type="parTrans" cxnId="{01BFA285-3F66-4731-9976-5E66773F131B}">
+      <dgm:prSet/>
+      <dgm:spPr/>
+      <dgm:t>
+        <a:bodyPr/>
+        <a:lstStyle/>
+        <a:p>
+          <a:endParaRPr lang="de-DE"/>
+        </a:p>
+      </dgm:t>
+    </dgm:pt>
+    <dgm:pt modelId="{F4792461-CD84-4DFF-A02F-F54A388DBCF3}" type="sibTrans" cxnId="{01BFA285-3F66-4731-9976-5E66773F131B}">
+      <dgm:prSet/>
+      <dgm:spPr/>
+      <dgm:t>
+        <a:bodyPr/>
+        <a:lstStyle/>
+        <a:p>
+          <a:endParaRPr lang="de-DE"/>
+        </a:p>
+      </dgm:t>
+    </dgm:pt>
+    <dgm:pt modelId="{338A1B9B-5046-442E-9B8B-502029AE4325}">
+      <dgm:prSet phldrT="[Text]"/>
+      <dgm:spPr>
+        <a:solidFill>
+          <a:srgbClr val="FF5B5B"/>
+        </a:solidFill>
+        <a:ln>
+          <a:solidFill>
+            <a:srgbClr val="FF5B5B"/>
+          </a:solidFill>
+        </a:ln>
+      </dgm:spPr>
+      <dgm:t>
+        <a:bodyPr/>
+        <a:lstStyle/>
+        <a:p>
+          <a:r>
+            <a:rPr lang="de-DE" dirty="0"/>
+            <a:t>Nachteile</a:t>
+          </a:r>
+        </a:p>
+      </dgm:t>
+    </dgm:pt>
+    <dgm:pt modelId="{D3D7D2DB-E929-42FA-913A-DD07392B6573}" type="parTrans" cxnId="{71B09A67-0817-4EFD-B760-F17AA6F23C96}">
+      <dgm:prSet/>
+      <dgm:spPr/>
+      <dgm:t>
+        <a:bodyPr/>
+        <a:lstStyle/>
+        <a:p>
+          <a:endParaRPr lang="de-DE"/>
+        </a:p>
+      </dgm:t>
+    </dgm:pt>
+    <dgm:pt modelId="{7CD4CD9A-CD60-4210-AE22-D98843CC7B83}" type="sibTrans" cxnId="{71B09A67-0817-4EFD-B760-F17AA6F23C96}">
+      <dgm:prSet/>
+      <dgm:spPr/>
+      <dgm:t>
+        <a:bodyPr/>
+        <a:lstStyle/>
+        <a:p>
+          <a:endParaRPr lang="de-DE"/>
+        </a:p>
+      </dgm:t>
+    </dgm:pt>
+    <dgm:pt modelId="{C071D1C2-E9A5-478F-A133-1D4E9523FB56}">
+      <dgm:prSet phldrT="[Text]"/>
+      <dgm:spPr>
+        <a:solidFill>
+          <a:srgbClr val="FFBFBF">
+            <a:alpha val="89804"/>
+          </a:srgbClr>
+        </a:solidFill>
+      </dgm:spPr>
+      <dgm:t>
+        <a:bodyPr/>
+        <a:lstStyle/>
+        <a:p>
+          <a:r>
+            <a:rPr lang="de-DE" dirty="0"/>
+            <a:t>Schwierige Kommunikation durch schlechte Sprachsynthese</a:t>
+          </a:r>
+        </a:p>
+      </dgm:t>
+    </dgm:pt>
+    <dgm:pt modelId="{866067C2-5565-408A-925D-FCC98AE1E072}" type="parTrans" cxnId="{BE00F528-2DDF-4790-8C9B-62AF33125CC9}">
+      <dgm:prSet/>
+      <dgm:spPr/>
+      <dgm:t>
+        <a:bodyPr/>
+        <a:lstStyle/>
+        <a:p>
+          <a:endParaRPr lang="de-DE"/>
+        </a:p>
+      </dgm:t>
+    </dgm:pt>
+    <dgm:pt modelId="{C8B23A76-D8E1-4ACD-AD55-932B07FB38C1}" type="sibTrans" cxnId="{BE00F528-2DDF-4790-8C9B-62AF33125CC9}">
+      <dgm:prSet/>
+      <dgm:spPr/>
+      <dgm:t>
+        <a:bodyPr/>
+        <a:lstStyle/>
+        <a:p>
+          <a:endParaRPr lang="de-DE"/>
+        </a:p>
+      </dgm:t>
+    </dgm:pt>
+    <dgm:pt modelId="{14DE28EA-E94E-458A-ADC4-01513F2191E2}">
+      <dgm:prSet phldrT="[Text]"/>
+      <dgm:spPr>
+        <a:solidFill>
+          <a:srgbClr val="FFBFBF">
+            <a:alpha val="89804"/>
+          </a:srgbClr>
+        </a:solidFill>
+      </dgm:spPr>
+      <dgm:t>
+        <a:bodyPr/>
+        <a:lstStyle/>
+        <a:p>
+          <a:r>
+            <a:rPr lang="de-DE" dirty="0"/>
+            <a:t>Unpräzise Spracherkennung</a:t>
+          </a:r>
+        </a:p>
+      </dgm:t>
+    </dgm:pt>
+    <dgm:pt modelId="{FD26D478-D361-45B0-9A36-4C70555311C7}" type="parTrans" cxnId="{921C036D-D30B-4162-9943-1E3FE812242F}">
+      <dgm:prSet/>
+      <dgm:spPr/>
+      <dgm:t>
+        <a:bodyPr/>
+        <a:lstStyle/>
+        <a:p>
+          <a:endParaRPr lang="de-DE"/>
+        </a:p>
+      </dgm:t>
+    </dgm:pt>
+    <dgm:pt modelId="{CA5F710B-A38F-4485-B9DF-053403D87332}" type="sibTrans" cxnId="{921C036D-D30B-4162-9943-1E3FE812242F}">
+      <dgm:prSet/>
+      <dgm:spPr/>
+      <dgm:t>
+        <a:bodyPr/>
+        <a:lstStyle/>
+        <a:p>
+          <a:endParaRPr lang="de-DE"/>
+        </a:p>
+      </dgm:t>
+    </dgm:pt>
+    <dgm:pt modelId="{9622A36E-9E9F-40F4-983C-2C55D86A1169}">
+      <dgm:prSet phldrT="[Text]"/>
+      <dgm:spPr/>
+      <dgm:t>
+        <a:bodyPr/>
+        <a:lstStyle/>
+        <a:p>
+          <a:r>
+            <a:rPr lang="de-DE" dirty="0"/>
+            <a:t>Kontaktfreie Bedienung</a:t>
+          </a:r>
+        </a:p>
+      </dgm:t>
+    </dgm:pt>
+    <dgm:pt modelId="{B14B46A0-DA09-4C73-9F94-EEBFDA0DCB96}" type="parTrans" cxnId="{024BC148-7672-49E2-B6C2-FCCFD2659EFB}">
+      <dgm:prSet/>
+      <dgm:spPr/>
+      <dgm:t>
+        <a:bodyPr/>
+        <a:lstStyle/>
+        <a:p>
+          <a:endParaRPr lang="de-DE"/>
+        </a:p>
+      </dgm:t>
+    </dgm:pt>
+    <dgm:pt modelId="{59AF3398-84E9-4502-AE7C-662FBC03213E}" type="sibTrans" cxnId="{024BC148-7672-49E2-B6C2-FCCFD2659EFB}">
+      <dgm:prSet/>
+      <dgm:spPr/>
+      <dgm:t>
+        <a:bodyPr/>
+        <a:lstStyle/>
+        <a:p>
+          <a:endParaRPr lang="de-DE"/>
+        </a:p>
+      </dgm:t>
+    </dgm:pt>
+    <dgm:pt modelId="{1FA2B6DE-E42E-412B-9CBC-DA35A97890FE}">
+      <dgm:prSet phldrT="[Text]"/>
+      <dgm:spPr>
+        <a:solidFill>
+          <a:srgbClr val="FFBFBF">
+            <a:alpha val="89804"/>
+          </a:srgbClr>
+        </a:solidFill>
+      </dgm:spPr>
+      <dgm:t>
+        <a:bodyPr/>
+        <a:lstStyle/>
+        <a:p>
+          <a:endParaRPr lang="de-DE" dirty="0"/>
+        </a:p>
+      </dgm:t>
+    </dgm:pt>
+    <dgm:pt modelId="{B8F0CAFC-A733-4A4E-9395-ACF95D9CA43F}" type="parTrans" cxnId="{573DE7F1-0472-442E-B9D2-B0FF3D568A0A}">
+      <dgm:prSet/>
+      <dgm:spPr/>
+      <dgm:t>
+        <a:bodyPr/>
+        <a:lstStyle/>
+        <a:p>
+          <a:endParaRPr lang="de-DE"/>
+        </a:p>
+      </dgm:t>
+    </dgm:pt>
+    <dgm:pt modelId="{BADE0468-2C21-4A6C-84C8-A073AED0B3D5}" type="sibTrans" cxnId="{573DE7F1-0472-442E-B9D2-B0FF3D568A0A}">
+      <dgm:prSet/>
+      <dgm:spPr/>
+      <dgm:t>
+        <a:bodyPr/>
+        <a:lstStyle/>
+        <a:p>
+          <a:endParaRPr lang="de-DE"/>
+        </a:p>
+      </dgm:t>
+    </dgm:pt>
+    <dgm:pt modelId="{FB0DBB0A-7A03-43BA-9A64-DD7CFC9803B3}">
+      <dgm:prSet phldrT="[Text]"/>
+      <dgm:spPr/>
+      <dgm:t>
+        <a:bodyPr/>
+        <a:lstStyle/>
+        <a:p>
+          <a:r>
+            <a:rPr lang="de-DE" dirty="0"/>
+            <a:t>Keine Einschränkung für Komplexität der Skills</a:t>
+          </a:r>
+        </a:p>
+      </dgm:t>
+    </dgm:pt>
+    <dgm:pt modelId="{8D0F9F43-21CE-4515-8679-1AE266417489}" type="parTrans" cxnId="{74EC4ABB-9523-4037-A6E7-79EC27DECF9A}">
+      <dgm:prSet/>
+      <dgm:spPr/>
+      <dgm:t>
+        <a:bodyPr/>
+        <a:lstStyle/>
+        <a:p>
+          <a:endParaRPr lang="de-DE"/>
+        </a:p>
+      </dgm:t>
+    </dgm:pt>
+    <dgm:pt modelId="{A01B66AA-D944-458D-BCC4-33D3C735FD4C}" type="sibTrans" cxnId="{74EC4ABB-9523-4037-A6E7-79EC27DECF9A}">
+      <dgm:prSet/>
+      <dgm:spPr/>
+      <dgm:t>
+        <a:bodyPr/>
+        <a:lstStyle/>
+        <a:p>
+          <a:endParaRPr lang="de-DE"/>
+        </a:p>
+      </dgm:t>
+    </dgm:pt>
+    <dgm:pt modelId="{7E9959AE-F2E5-40F7-8BFA-7A08AA9BE147}">
+      <dgm:prSet phldrT="[Text]"/>
+      <dgm:spPr>
+        <a:solidFill>
+          <a:srgbClr val="FFBFBF">
+            <a:alpha val="89804"/>
+          </a:srgbClr>
+        </a:solidFill>
+      </dgm:spPr>
+      <dgm:t>
+        <a:bodyPr/>
+        <a:lstStyle/>
+        <a:p>
+          <a:r>
+            <a:rPr lang="de-DE" dirty="0"/>
+            <a:t>Nur Englisch wird offiziell unterstützt</a:t>
+          </a:r>
+        </a:p>
+      </dgm:t>
+    </dgm:pt>
+    <dgm:pt modelId="{E8C83B33-DA9E-400B-9FC8-9E2A3B0AA979}" type="parTrans" cxnId="{65A82B7F-E29A-4FF3-AEF2-E3CBC29CAFE5}">
+      <dgm:prSet/>
+      <dgm:spPr/>
+      <dgm:t>
+        <a:bodyPr/>
+        <a:lstStyle/>
+        <a:p>
+          <a:endParaRPr lang="de-DE"/>
+        </a:p>
+      </dgm:t>
+    </dgm:pt>
+    <dgm:pt modelId="{9322A832-4095-446B-91E2-62CF8BFF9FF2}" type="sibTrans" cxnId="{65A82B7F-E29A-4FF3-AEF2-E3CBC29CAFE5}">
+      <dgm:prSet/>
+      <dgm:spPr/>
+      <dgm:t>
+        <a:bodyPr/>
+        <a:lstStyle/>
+        <a:p>
+          <a:endParaRPr lang="de-DE"/>
+        </a:p>
+      </dgm:t>
+    </dgm:pt>
+    <dgm:pt modelId="{B7725FFA-95E6-4EBB-A538-DFE322DBAC3D}">
+      <dgm:prSet phldrT="[Text]"/>
+      <dgm:spPr>
+        <a:solidFill>
+          <a:srgbClr val="FFBFBF">
+            <a:alpha val="89804"/>
+          </a:srgbClr>
+        </a:solidFill>
+      </dgm:spPr>
+      <dgm:t>
+        <a:bodyPr/>
+        <a:lstStyle/>
+        <a:p>
+          <a:r>
+            <a:rPr lang="de-DE" dirty="0"/>
+            <a:t>Keine Authentifizierung bei Spracheingabe</a:t>
+          </a:r>
+        </a:p>
+      </dgm:t>
+    </dgm:pt>
+    <dgm:pt modelId="{D2F7C3CA-0590-47AB-A574-3A70215ED19E}" type="parTrans" cxnId="{F4F3198E-EEFE-4DDD-9302-8663DE5783E3}">
+      <dgm:prSet/>
+      <dgm:spPr/>
+      <dgm:t>
+        <a:bodyPr/>
+        <a:lstStyle/>
+        <a:p>
+          <a:endParaRPr lang="de-DE"/>
+        </a:p>
+      </dgm:t>
+    </dgm:pt>
+    <dgm:pt modelId="{5D25A18F-B478-4455-9AB7-B1C85EA7B8A0}" type="sibTrans" cxnId="{F4F3198E-EEFE-4DDD-9302-8663DE5783E3}">
+      <dgm:prSet/>
+      <dgm:spPr/>
+      <dgm:t>
+        <a:bodyPr/>
+        <a:lstStyle/>
+        <a:p>
+          <a:endParaRPr lang="de-DE"/>
+        </a:p>
+      </dgm:t>
+    </dgm:pt>
+    <dgm:pt modelId="{DEC69F22-53B0-4692-8778-19DF0A1FB230}">
+      <dgm:prSet phldrT="[Text]"/>
+      <dgm:spPr>
+        <a:solidFill>
+          <a:srgbClr val="FFBFBF">
+            <a:alpha val="89804"/>
+          </a:srgbClr>
+        </a:solidFill>
+      </dgm:spPr>
+      <dgm:t>
+        <a:bodyPr/>
+        <a:lstStyle/>
+        <a:p>
+          <a:r>
+            <a:rPr lang="de-DE" dirty="0"/>
+            <a:t>Cloud-Anbindung</a:t>
+          </a:r>
+        </a:p>
+      </dgm:t>
+    </dgm:pt>
+    <dgm:pt modelId="{0E3A49FF-81F2-4279-B8FC-206791637C8E}" type="parTrans" cxnId="{C18BF20C-20D2-4482-9B63-048E8C3E72E4}">
+      <dgm:prSet/>
+      <dgm:spPr/>
+      <dgm:t>
+        <a:bodyPr/>
+        <a:lstStyle/>
+        <a:p>
+          <a:endParaRPr lang="de-DE"/>
+        </a:p>
+      </dgm:t>
+    </dgm:pt>
+    <dgm:pt modelId="{B6397C52-A5E7-497F-85E0-9E454CC95AC9}" type="sibTrans" cxnId="{C18BF20C-20D2-4482-9B63-048E8C3E72E4}">
+      <dgm:prSet/>
+      <dgm:spPr/>
+      <dgm:t>
+        <a:bodyPr/>
+        <a:lstStyle/>
+        <a:p>
+          <a:endParaRPr lang="de-DE"/>
+        </a:p>
+      </dgm:t>
+    </dgm:pt>
+    <dgm:pt modelId="{979EEA60-09DD-44B3-B263-79440A6BA4F2}" type="pres">
+      <dgm:prSet presAssocID="{0C0FF476-6A4E-4C4F-A530-F141E47EC15F}" presName="Name0" presStyleCnt="0">
+        <dgm:presLayoutVars>
+          <dgm:dir/>
+          <dgm:animLvl val="lvl"/>
+          <dgm:resizeHandles val="exact"/>
+        </dgm:presLayoutVars>
+      </dgm:prSet>
+      <dgm:spPr/>
+    </dgm:pt>
+    <dgm:pt modelId="{142733CE-E57B-4DC8-88D1-7AF3B354A9DE}" type="pres">
+      <dgm:prSet presAssocID="{21DF37A8-7DE6-4EF6-B356-2D07876034A6}" presName="composite" presStyleCnt="0"/>
+      <dgm:spPr/>
+    </dgm:pt>
+    <dgm:pt modelId="{0FEF368A-8FD9-4AB5-AEB8-A1F760D29B63}" type="pres">
+      <dgm:prSet presAssocID="{21DF37A8-7DE6-4EF6-B356-2D07876034A6}" presName="parTx" presStyleLbl="alignNode1" presStyleIdx="0" presStyleCnt="2">
+        <dgm:presLayoutVars>
+          <dgm:chMax val="0"/>
+          <dgm:chPref val="0"/>
+          <dgm:bulletEnabled val="1"/>
+        </dgm:presLayoutVars>
+      </dgm:prSet>
+      <dgm:spPr/>
+    </dgm:pt>
+    <dgm:pt modelId="{2CD5A116-CDD4-48A9-A5E3-92B3E85347C8}" type="pres">
+      <dgm:prSet presAssocID="{21DF37A8-7DE6-4EF6-B356-2D07876034A6}" presName="desTx" presStyleLbl="alignAccFollowNode1" presStyleIdx="0" presStyleCnt="2">
+        <dgm:presLayoutVars>
+          <dgm:bulletEnabled val="1"/>
+        </dgm:presLayoutVars>
+      </dgm:prSet>
+      <dgm:spPr/>
+    </dgm:pt>
+    <dgm:pt modelId="{DC2823BB-CFCF-4F30-BE50-8499E46FCEA0}" type="pres">
+      <dgm:prSet presAssocID="{7FB9F4BB-0625-4DC7-B6E4-975D4DF81A3B}" presName="space" presStyleCnt="0"/>
+      <dgm:spPr/>
+    </dgm:pt>
+    <dgm:pt modelId="{0655126D-B977-41C2-8EAE-888FC8FE3823}" type="pres">
+      <dgm:prSet presAssocID="{338A1B9B-5046-442E-9B8B-502029AE4325}" presName="composite" presStyleCnt="0"/>
+      <dgm:spPr/>
+    </dgm:pt>
+    <dgm:pt modelId="{D9CEA338-E915-4F91-9206-7FF585EB0423}" type="pres">
+      <dgm:prSet presAssocID="{338A1B9B-5046-442E-9B8B-502029AE4325}" presName="parTx" presStyleLbl="alignNode1" presStyleIdx="1" presStyleCnt="2">
+        <dgm:presLayoutVars>
+          <dgm:chMax val="0"/>
+          <dgm:chPref val="0"/>
+          <dgm:bulletEnabled val="1"/>
+        </dgm:presLayoutVars>
+      </dgm:prSet>
+      <dgm:spPr/>
+    </dgm:pt>
+    <dgm:pt modelId="{CE5C8074-9D67-42A8-AD5B-8AC45F3C5A37}" type="pres">
+      <dgm:prSet presAssocID="{338A1B9B-5046-442E-9B8B-502029AE4325}" presName="desTx" presStyleLbl="alignAccFollowNode1" presStyleIdx="1" presStyleCnt="2">
+        <dgm:presLayoutVars>
+          <dgm:bulletEnabled val="1"/>
+        </dgm:presLayoutVars>
+      </dgm:prSet>
+      <dgm:spPr/>
+    </dgm:pt>
+  </dgm:ptLst>
+  <dgm:cxnLst>
+    <dgm:cxn modelId="{C18BF20C-20D2-4482-9B63-048E8C3E72E4}" srcId="{338A1B9B-5046-442E-9B8B-502029AE4325}" destId="{DEC69F22-53B0-4692-8778-19DF0A1FB230}" srcOrd="4" destOrd="0" parTransId="{0E3A49FF-81F2-4279-B8FC-206791637C8E}" sibTransId="{B6397C52-A5E7-497F-85E0-9E454CC95AC9}"/>
+    <dgm:cxn modelId="{6CABAA0D-C9B9-4078-8037-87478601F860}" type="presOf" srcId="{DEC69F22-53B0-4692-8778-19DF0A1FB230}" destId="{CE5C8074-9D67-42A8-AD5B-8AC45F3C5A37}" srcOrd="0" destOrd="4" presId="urn:microsoft.com/office/officeart/2005/8/layout/hList1"/>
+    <dgm:cxn modelId="{4BDEE510-65BA-4DD3-A4CB-E2ECD41CEFA9}" srcId="{0C0FF476-6A4E-4C4F-A530-F141E47EC15F}" destId="{21DF37A8-7DE6-4EF6-B356-2D07876034A6}" srcOrd="0" destOrd="0" parTransId="{E3CD110D-AE91-4E68-846A-9B44FEE04EF9}" sibTransId="{7FB9F4BB-0625-4DC7-B6E4-975D4DF81A3B}"/>
+    <dgm:cxn modelId="{7A338811-6F75-47C4-B978-45355AD8F6DC}" type="presOf" srcId="{21DF37A8-7DE6-4EF6-B356-2D07876034A6}" destId="{0FEF368A-8FD9-4AB5-AEB8-A1F760D29B63}" srcOrd="0" destOrd="0" presId="urn:microsoft.com/office/officeart/2005/8/layout/hList1"/>
+    <dgm:cxn modelId="{37828512-679E-4865-AAD2-A53BB098ADFD}" type="presOf" srcId="{9622A36E-9E9F-40F4-983C-2C55D86A1169}" destId="{2CD5A116-CDD4-48A9-A5E3-92B3E85347C8}" srcOrd="0" destOrd="1" presId="urn:microsoft.com/office/officeart/2005/8/layout/hList1"/>
+    <dgm:cxn modelId="{F6A3A41F-AB87-4F5D-8FEC-ECBEC11FAE07}" type="presOf" srcId="{FB0DBB0A-7A03-43BA-9A64-DD7CFC9803B3}" destId="{2CD5A116-CDD4-48A9-A5E3-92B3E85347C8}" srcOrd="0" destOrd="2" presId="urn:microsoft.com/office/officeart/2005/8/layout/hList1"/>
+    <dgm:cxn modelId="{BE00F528-2DDF-4790-8C9B-62AF33125CC9}" srcId="{338A1B9B-5046-442E-9B8B-502029AE4325}" destId="{C071D1C2-E9A5-478F-A133-1D4E9523FB56}" srcOrd="0" destOrd="0" parTransId="{866067C2-5565-408A-925D-FCC98AE1E072}" sibTransId="{C8B23A76-D8E1-4ACD-AD55-932B07FB38C1}"/>
+    <dgm:cxn modelId="{14FC2434-73AC-414B-AF8E-CC5D604353BC}" type="presOf" srcId="{0C0FF476-6A4E-4C4F-A530-F141E47EC15F}" destId="{979EEA60-09DD-44B3-B263-79440A6BA4F2}" srcOrd="0" destOrd="0" presId="urn:microsoft.com/office/officeart/2005/8/layout/hList1"/>
+    <dgm:cxn modelId="{71B09A67-0817-4EFD-B760-F17AA6F23C96}" srcId="{0C0FF476-6A4E-4C4F-A530-F141E47EC15F}" destId="{338A1B9B-5046-442E-9B8B-502029AE4325}" srcOrd="1" destOrd="0" parTransId="{D3D7D2DB-E929-42FA-913A-DD07392B6573}" sibTransId="{7CD4CD9A-CD60-4210-AE22-D98843CC7B83}"/>
+    <dgm:cxn modelId="{A58CAA67-396E-48AF-8FCA-D6C7AF7145E8}" type="presOf" srcId="{1FA2B6DE-E42E-412B-9CBC-DA35A97890FE}" destId="{CE5C8074-9D67-42A8-AD5B-8AC45F3C5A37}" srcOrd="0" destOrd="5" presId="urn:microsoft.com/office/officeart/2005/8/layout/hList1"/>
+    <dgm:cxn modelId="{024BC148-7672-49E2-B6C2-FCCFD2659EFB}" srcId="{21DF37A8-7DE6-4EF6-B356-2D07876034A6}" destId="{9622A36E-9E9F-40F4-983C-2C55D86A1169}" srcOrd="1" destOrd="0" parTransId="{B14B46A0-DA09-4C73-9F94-EEBFDA0DCB96}" sibTransId="{59AF3398-84E9-4502-AE7C-662FBC03213E}"/>
+    <dgm:cxn modelId="{3C6F2A6C-C00B-4552-BFB2-A6A0DE668162}" type="presOf" srcId="{7E9959AE-F2E5-40F7-8BFA-7A08AA9BE147}" destId="{CE5C8074-9D67-42A8-AD5B-8AC45F3C5A37}" srcOrd="0" destOrd="2" presId="urn:microsoft.com/office/officeart/2005/8/layout/hList1"/>
+    <dgm:cxn modelId="{5F692E6C-7EB8-4F60-9E20-10BE18AE764C}" type="presOf" srcId="{26F1B81C-3645-4F5E-8EAC-8A22067694EB}" destId="{2CD5A116-CDD4-48A9-A5E3-92B3E85347C8}" srcOrd="0" destOrd="0" presId="urn:microsoft.com/office/officeart/2005/8/layout/hList1"/>
+    <dgm:cxn modelId="{921C036D-D30B-4162-9943-1E3FE812242F}" srcId="{338A1B9B-5046-442E-9B8B-502029AE4325}" destId="{14DE28EA-E94E-458A-ADC4-01513F2191E2}" srcOrd="1" destOrd="0" parTransId="{FD26D478-D361-45B0-9A36-4C70555311C7}" sibTransId="{CA5F710B-A38F-4485-B9DF-053403D87332}"/>
+    <dgm:cxn modelId="{9DD8895A-4EC6-43A2-AB57-045D05C86F02}" type="presOf" srcId="{C071D1C2-E9A5-478F-A133-1D4E9523FB56}" destId="{CE5C8074-9D67-42A8-AD5B-8AC45F3C5A37}" srcOrd="0" destOrd="0" presId="urn:microsoft.com/office/officeart/2005/8/layout/hList1"/>
+    <dgm:cxn modelId="{65A82B7F-E29A-4FF3-AEF2-E3CBC29CAFE5}" srcId="{338A1B9B-5046-442E-9B8B-502029AE4325}" destId="{7E9959AE-F2E5-40F7-8BFA-7A08AA9BE147}" srcOrd="2" destOrd="0" parTransId="{E8C83B33-DA9E-400B-9FC8-9E2A3B0AA979}" sibTransId="{9322A832-4095-446B-91E2-62CF8BFF9FF2}"/>
+    <dgm:cxn modelId="{01BFA285-3F66-4731-9976-5E66773F131B}" srcId="{21DF37A8-7DE6-4EF6-B356-2D07876034A6}" destId="{26F1B81C-3645-4F5E-8EAC-8A22067694EB}" srcOrd="0" destOrd="0" parTransId="{CE4B0794-0307-46F4-92B5-106FB8CC7DD9}" sibTransId="{F4792461-CD84-4DFF-A02F-F54A388DBCF3}"/>
+    <dgm:cxn modelId="{F4F3198E-EEFE-4DDD-9302-8663DE5783E3}" srcId="{338A1B9B-5046-442E-9B8B-502029AE4325}" destId="{B7725FFA-95E6-4EBB-A538-DFE322DBAC3D}" srcOrd="3" destOrd="0" parTransId="{D2F7C3CA-0590-47AB-A574-3A70215ED19E}" sibTransId="{5D25A18F-B478-4455-9AB7-B1C85EA7B8A0}"/>
+    <dgm:cxn modelId="{D39A5EB4-C4BF-4073-A410-231B74A32613}" type="presOf" srcId="{338A1B9B-5046-442E-9B8B-502029AE4325}" destId="{D9CEA338-E915-4F91-9206-7FF585EB0423}" srcOrd="0" destOrd="0" presId="urn:microsoft.com/office/officeart/2005/8/layout/hList1"/>
+    <dgm:cxn modelId="{74EC4ABB-9523-4037-A6E7-79EC27DECF9A}" srcId="{21DF37A8-7DE6-4EF6-B356-2D07876034A6}" destId="{FB0DBB0A-7A03-43BA-9A64-DD7CFC9803B3}" srcOrd="2" destOrd="0" parTransId="{8D0F9F43-21CE-4515-8679-1AE266417489}" sibTransId="{A01B66AA-D944-458D-BCC4-33D3C735FD4C}"/>
+    <dgm:cxn modelId="{AD5D43C2-1C5A-49CD-9B30-49D419066F3E}" type="presOf" srcId="{B7725FFA-95E6-4EBB-A538-DFE322DBAC3D}" destId="{CE5C8074-9D67-42A8-AD5B-8AC45F3C5A37}" srcOrd="0" destOrd="3" presId="urn:microsoft.com/office/officeart/2005/8/layout/hList1"/>
+    <dgm:cxn modelId="{62D55DD3-10EA-4F34-85B6-1FFFD879C7CB}" type="presOf" srcId="{14DE28EA-E94E-458A-ADC4-01513F2191E2}" destId="{CE5C8074-9D67-42A8-AD5B-8AC45F3C5A37}" srcOrd="0" destOrd="1" presId="urn:microsoft.com/office/officeart/2005/8/layout/hList1"/>
+    <dgm:cxn modelId="{573DE7F1-0472-442E-B9D2-B0FF3D568A0A}" srcId="{338A1B9B-5046-442E-9B8B-502029AE4325}" destId="{1FA2B6DE-E42E-412B-9CBC-DA35A97890FE}" srcOrd="5" destOrd="0" parTransId="{B8F0CAFC-A733-4A4E-9395-ACF95D9CA43F}" sibTransId="{BADE0468-2C21-4A6C-84C8-A073AED0B3D5}"/>
+    <dgm:cxn modelId="{93C8E4BD-2420-40B6-A0DD-557FE16CC586}" type="presParOf" srcId="{979EEA60-09DD-44B3-B263-79440A6BA4F2}" destId="{142733CE-E57B-4DC8-88D1-7AF3B354A9DE}" srcOrd="0" destOrd="0" presId="urn:microsoft.com/office/officeart/2005/8/layout/hList1"/>
+    <dgm:cxn modelId="{B0E7FC08-6A67-47D8-BCD7-D037971C393B}" type="presParOf" srcId="{142733CE-E57B-4DC8-88D1-7AF3B354A9DE}" destId="{0FEF368A-8FD9-4AB5-AEB8-A1F760D29B63}" srcOrd="0" destOrd="0" presId="urn:microsoft.com/office/officeart/2005/8/layout/hList1"/>
+    <dgm:cxn modelId="{E0D8D829-AF99-4C10-A32C-DFC12A9FC9D3}" type="presParOf" srcId="{142733CE-E57B-4DC8-88D1-7AF3B354A9DE}" destId="{2CD5A116-CDD4-48A9-A5E3-92B3E85347C8}" srcOrd="1" destOrd="0" presId="urn:microsoft.com/office/officeart/2005/8/layout/hList1"/>
+    <dgm:cxn modelId="{A04DD86B-B3E6-405C-B945-260610B174C2}" type="presParOf" srcId="{979EEA60-09DD-44B3-B263-79440A6BA4F2}" destId="{DC2823BB-CFCF-4F30-BE50-8499E46FCEA0}" srcOrd="1" destOrd="0" presId="urn:microsoft.com/office/officeart/2005/8/layout/hList1"/>
+    <dgm:cxn modelId="{92B28168-BE53-4A7E-8AD1-C50C7B83106D}" type="presParOf" srcId="{979EEA60-09DD-44B3-B263-79440A6BA4F2}" destId="{0655126D-B977-41C2-8EAE-888FC8FE3823}" srcOrd="2" destOrd="0" presId="urn:microsoft.com/office/officeart/2005/8/layout/hList1"/>
+    <dgm:cxn modelId="{2E6F4D95-3AF9-4F99-A449-7C715E5AAE01}" type="presParOf" srcId="{0655126D-B977-41C2-8EAE-888FC8FE3823}" destId="{D9CEA338-E915-4F91-9206-7FF585EB0423}" srcOrd="0" destOrd="0" presId="urn:microsoft.com/office/officeart/2005/8/layout/hList1"/>
+    <dgm:cxn modelId="{9FF8FCFB-D4BA-470B-9FFF-455CABCA3526}" type="presParOf" srcId="{0655126D-B977-41C2-8EAE-888FC8FE3823}" destId="{CE5C8074-9D67-42A8-AD5B-8AC45F3C5A37}" srcOrd="1" destOrd="0" presId="urn:microsoft.com/office/officeart/2005/8/layout/hList1"/>
+  </dgm:cxnLst>
+  <dgm:bg/>
+  <dgm:whole/>
+  <dgm:extLst>
+    <a:ext uri="http://schemas.microsoft.com/office/drawing/2008/diagram">
+      <dsp:dataModelExt xmlns:dsp="http://schemas.microsoft.com/office/drawing/2008/diagram" relId="rId6" minVer="http://schemas.openxmlformats.org/drawingml/2006/diagram"/>
+    </a:ext>
+  </dgm:extLst>
+</dgm:dataModel>
+</file>
+
 <file path=ppt/diagrams/drawing1.xml><?xml version="1.0" encoding="utf-8"?>
 <dsp:drawing xmlns:dgm="http://schemas.openxmlformats.org/drawingml/2006/diagram" xmlns:dsp="http://schemas.microsoft.com/office/drawing/2008/diagram" xmlns:a="http://schemas.openxmlformats.org/drawingml/2006/main">
   <dsp:spTree>
@@ -1829,7 +3130,7 @@
           </a:pPr>
           <a:r>
             <a:rPr lang="de-DE" sz="1300" kern="1200" dirty="0"/>
-            <a:t>Struktur von Skills anschauen und Schreiben eigener Skills</a:t>
+            <a:t>Struktur von Skills anschauen und Schreiben kleiner Test-Skills</a:t>
           </a:r>
         </a:p>
       </dsp:txBody>
@@ -2782,6 +4083,442 @@
 </dsp:drawing>
 </file>
 
+<file path=ppt/diagrams/drawing2.xml><?xml version="1.0" encoding="utf-8"?>
+<dsp:drawing xmlns:dgm="http://schemas.openxmlformats.org/drawingml/2006/diagram" xmlns:dsp="http://schemas.microsoft.com/office/drawing/2008/diagram" xmlns:a="http://schemas.openxmlformats.org/drawingml/2006/main">
+  <dsp:spTree>
+    <dsp:nvGrpSpPr>
+      <dsp:cNvPr id="0" name=""/>
+      <dsp:cNvGrpSpPr/>
+    </dsp:nvGrpSpPr>
+    <dsp:grpSpPr/>
+    <dsp:sp modelId="{0FEF368A-8FD9-4AB5-AEB8-A1F760D29B63}">
+      <dsp:nvSpPr>
+        <dsp:cNvPr id="0" name=""/>
+        <dsp:cNvSpPr/>
+      </dsp:nvSpPr>
+      <dsp:spPr>
+        <a:xfrm>
+          <a:off x="51" y="21347"/>
+          <a:ext cx="4944197" cy="633600"/>
+        </a:xfrm>
+        <a:prstGeom prst="rect">
+          <a:avLst/>
+        </a:prstGeom>
+        <a:solidFill>
+          <a:schemeClr val="accent1">
+            <a:hueOff val="0"/>
+            <a:satOff val="0"/>
+            <a:lumOff val="0"/>
+            <a:alphaOff val="0"/>
+          </a:schemeClr>
+        </a:solidFill>
+        <a:ln w="12700" cap="flat" cmpd="sng" algn="ctr">
+          <a:solidFill>
+            <a:schemeClr val="accent1">
+              <a:hueOff val="0"/>
+              <a:satOff val="0"/>
+              <a:lumOff val="0"/>
+              <a:alphaOff val="0"/>
+            </a:schemeClr>
+          </a:solidFill>
+          <a:prstDash val="solid"/>
+          <a:miter lim="800000"/>
+        </a:ln>
+        <a:effectLst/>
+      </dsp:spPr>
+      <dsp:style>
+        <a:lnRef idx="2">
+          <a:scrgbClr r="0" g="0" b="0"/>
+        </a:lnRef>
+        <a:fillRef idx="1">
+          <a:scrgbClr r="0" g="0" b="0"/>
+        </a:fillRef>
+        <a:effectRef idx="0">
+          <a:scrgbClr r="0" g="0" b="0"/>
+        </a:effectRef>
+        <a:fontRef idx="minor">
+          <a:schemeClr val="lt1"/>
+        </a:fontRef>
+      </dsp:style>
+      <dsp:txBody>
+        <a:bodyPr spcFirstLastPara="0" vert="horz" wrap="square" lIns="156464" tIns="89408" rIns="156464" bIns="89408" numCol="1" spcCol="1270" anchor="ctr" anchorCtr="0">
+          <a:noAutofit/>
+        </a:bodyPr>
+        <a:lstStyle/>
+        <a:p>
+          <a:pPr marL="0" lvl="0" indent="0" algn="ctr" defTabSz="977900">
+            <a:lnSpc>
+              <a:spcPct val="90000"/>
+            </a:lnSpc>
+            <a:spcBef>
+              <a:spcPct val="0"/>
+            </a:spcBef>
+            <a:spcAft>
+              <a:spcPct val="35000"/>
+            </a:spcAft>
+            <a:buNone/>
+          </a:pPr>
+          <a:r>
+            <a:rPr lang="de-DE" sz="2200" kern="1200" dirty="0"/>
+            <a:t>Vorteile</a:t>
+          </a:r>
+        </a:p>
+      </dsp:txBody>
+      <dsp:txXfrm>
+        <a:off x="51" y="21347"/>
+        <a:ext cx="4944197" cy="633600"/>
+      </dsp:txXfrm>
+    </dsp:sp>
+    <dsp:sp modelId="{2CD5A116-CDD4-48A9-A5E3-92B3E85347C8}">
+      <dsp:nvSpPr>
+        <dsp:cNvPr id="0" name=""/>
+        <dsp:cNvSpPr/>
+      </dsp:nvSpPr>
+      <dsp:spPr>
+        <a:xfrm>
+          <a:off x="51" y="654947"/>
+          <a:ext cx="4944197" cy="3668692"/>
+        </a:xfrm>
+        <a:prstGeom prst="rect">
+          <a:avLst/>
+        </a:prstGeom>
+        <a:solidFill>
+          <a:schemeClr val="accent1">
+            <a:alpha val="90000"/>
+            <a:tint val="40000"/>
+            <a:hueOff val="0"/>
+            <a:satOff val="0"/>
+            <a:lumOff val="0"/>
+            <a:alphaOff val="0"/>
+          </a:schemeClr>
+        </a:solidFill>
+        <a:ln w="12700" cap="flat" cmpd="sng" algn="ctr">
+          <a:solidFill>
+            <a:schemeClr val="accent1">
+              <a:alpha val="90000"/>
+              <a:tint val="40000"/>
+              <a:hueOff val="0"/>
+              <a:satOff val="0"/>
+              <a:lumOff val="0"/>
+              <a:alphaOff val="0"/>
+            </a:schemeClr>
+          </a:solidFill>
+          <a:prstDash val="solid"/>
+          <a:miter lim="800000"/>
+        </a:ln>
+        <a:effectLst/>
+      </dsp:spPr>
+      <dsp:style>
+        <a:lnRef idx="2">
+          <a:scrgbClr r="0" g="0" b="0"/>
+        </a:lnRef>
+        <a:fillRef idx="1">
+          <a:scrgbClr r="0" g="0" b="0"/>
+        </a:fillRef>
+        <a:effectRef idx="0">
+          <a:scrgbClr r="0" g="0" b="0"/>
+        </a:effectRef>
+        <a:fontRef idx="minor"/>
+      </dsp:style>
+      <dsp:txBody>
+        <a:bodyPr spcFirstLastPara="0" vert="horz" wrap="square" lIns="117348" tIns="117348" rIns="156464" bIns="176022" numCol="1" spcCol="1270" anchor="t" anchorCtr="0">
+          <a:noAutofit/>
+        </a:bodyPr>
+        <a:lstStyle/>
+        <a:p>
+          <a:pPr marL="228600" lvl="1" indent="-228600" algn="l" defTabSz="977900">
+            <a:lnSpc>
+              <a:spcPct val="90000"/>
+            </a:lnSpc>
+            <a:spcBef>
+              <a:spcPct val="0"/>
+            </a:spcBef>
+            <a:spcAft>
+              <a:spcPct val="15000"/>
+            </a:spcAft>
+            <a:buChar char="•"/>
+          </a:pPr>
+          <a:r>
+            <a:rPr lang="de-DE" sz="2200" kern="1200" dirty="0"/>
+            <a:t>Besserer Datenschutz als Konkurrenz</a:t>
+          </a:r>
+        </a:p>
+        <a:p>
+          <a:pPr marL="228600" lvl="1" indent="-228600" algn="l" defTabSz="977900">
+            <a:lnSpc>
+              <a:spcPct val="90000"/>
+            </a:lnSpc>
+            <a:spcBef>
+              <a:spcPct val="0"/>
+            </a:spcBef>
+            <a:spcAft>
+              <a:spcPct val="15000"/>
+            </a:spcAft>
+            <a:buChar char="•"/>
+          </a:pPr>
+          <a:r>
+            <a:rPr lang="de-DE" sz="2200" kern="1200" dirty="0"/>
+            <a:t>Kontaktfreie Bedienung</a:t>
+          </a:r>
+        </a:p>
+        <a:p>
+          <a:pPr marL="228600" lvl="1" indent="-228600" algn="l" defTabSz="977900">
+            <a:lnSpc>
+              <a:spcPct val="90000"/>
+            </a:lnSpc>
+            <a:spcBef>
+              <a:spcPct val="0"/>
+            </a:spcBef>
+            <a:spcAft>
+              <a:spcPct val="15000"/>
+            </a:spcAft>
+            <a:buChar char="•"/>
+          </a:pPr>
+          <a:r>
+            <a:rPr lang="de-DE" sz="2200" kern="1200" dirty="0"/>
+            <a:t>Keine Einschränkung für Komplexität der Skills</a:t>
+          </a:r>
+        </a:p>
+      </dsp:txBody>
+      <dsp:txXfrm>
+        <a:off x="51" y="654947"/>
+        <a:ext cx="4944197" cy="3668692"/>
+      </dsp:txXfrm>
+    </dsp:sp>
+    <dsp:sp modelId="{D9CEA338-E915-4F91-9206-7FF585EB0423}">
+      <dsp:nvSpPr>
+        <dsp:cNvPr id="0" name=""/>
+        <dsp:cNvSpPr/>
+      </dsp:nvSpPr>
+      <dsp:spPr>
+        <a:xfrm>
+          <a:off x="5636437" y="21347"/>
+          <a:ext cx="4944197" cy="633600"/>
+        </a:xfrm>
+        <a:prstGeom prst="rect">
+          <a:avLst/>
+        </a:prstGeom>
+        <a:solidFill>
+          <a:srgbClr val="FF5B5B"/>
+        </a:solidFill>
+        <a:ln w="12700" cap="flat" cmpd="sng" algn="ctr">
+          <a:solidFill>
+            <a:srgbClr val="FF5B5B"/>
+          </a:solidFill>
+          <a:prstDash val="solid"/>
+          <a:miter lim="800000"/>
+        </a:ln>
+        <a:effectLst/>
+      </dsp:spPr>
+      <dsp:style>
+        <a:lnRef idx="2">
+          <a:scrgbClr r="0" g="0" b="0"/>
+        </a:lnRef>
+        <a:fillRef idx="1">
+          <a:scrgbClr r="0" g="0" b="0"/>
+        </a:fillRef>
+        <a:effectRef idx="0">
+          <a:scrgbClr r="0" g="0" b="0"/>
+        </a:effectRef>
+        <a:fontRef idx="minor">
+          <a:schemeClr val="lt1"/>
+        </a:fontRef>
+      </dsp:style>
+      <dsp:txBody>
+        <a:bodyPr spcFirstLastPara="0" vert="horz" wrap="square" lIns="156464" tIns="89408" rIns="156464" bIns="89408" numCol="1" spcCol="1270" anchor="ctr" anchorCtr="0">
+          <a:noAutofit/>
+        </a:bodyPr>
+        <a:lstStyle/>
+        <a:p>
+          <a:pPr marL="0" lvl="0" indent="0" algn="ctr" defTabSz="977900">
+            <a:lnSpc>
+              <a:spcPct val="90000"/>
+            </a:lnSpc>
+            <a:spcBef>
+              <a:spcPct val="0"/>
+            </a:spcBef>
+            <a:spcAft>
+              <a:spcPct val="35000"/>
+            </a:spcAft>
+            <a:buNone/>
+          </a:pPr>
+          <a:r>
+            <a:rPr lang="de-DE" sz="2200" kern="1200" dirty="0"/>
+            <a:t>Nachteile</a:t>
+          </a:r>
+        </a:p>
+      </dsp:txBody>
+      <dsp:txXfrm>
+        <a:off x="5636437" y="21347"/>
+        <a:ext cx="4944197" cy="633600"/>
+      </dsp:txXfrm>
+    </dsp:sp>
+    <dsp:sp modelId="{CE5C8074-9D67-42A8-AD5B-8AC45F3C5A37}">
+      <dsp:nvSpPr>
+        <dsp:cNvPr id="0" name=""/>
+        <dsp:cNvSpPr/>
+      </dsp:nvSpPr>
+      <dsp:spPr>
+        <a:xfrm>
+          <a:off x="5636437" y="654947"/>
+          <a:ext cx="4944197" cy="3668692"/>
+        </a:xfrm>
+        <a:prstGeom prst="rect">
+          <a:avLst/>
+        </a:prstGeom>
+        <a:solidFill>
+          <a:srgbClr val="FFBFBF">
+            <a:alpha val="89804"/>
+          </a:srgbClr>
+        </a:solidFill>
+        <a:ln w="12700" cap="flat" cmpd="sng" algn="ctr">
+          <a:solidFill>
+            <a:schemeClr val="accent1">
+              <a:alpha val="90000"/>
+              <a:tint val="40000"/>
+              <a:hueOff val="0"/>
+              <a:satOff val="0"/>
+              <a:lumOff val="0"/>
+              <a:alphaOff val="0"/>
+            </a:schemeClr>
+          </a:solidFill>
+          <a:prstDash val="solid"/>
+          <a:miter lim="800000"/>
+        </a:ln>
+        <a:effectLst/>
+      </dsp:spPr>
+      <dsp:style>
+        <a:lnRef idx="2">
+          <a:scrgbClr r="0" g="0" b="0"/>
+        </a:lnRef>
+        <a:fillRef idx="1">
+          <a:scrgbClr r="0" g="0" b="0"/>
+        </a:fillRef>
+        <a:effectRef idx="0">
+          <a:scrgbClr r="0" g="0" b="0"/>
+        </a:effectRef>
+        <a:fontRef idx="minor"/>
+      </dsp:style>
+      <dsp:txBody>
+        <a:bodyPr spcFirstLastPara="0" vert="horz" wrap="square" lIns="117348" tIns="117348" rIns="156464" bIns="176022" numCol="1" spcCol="1270" anchor="t" anchorCtr="0">
+          <a:noAutofit/>
+        </a:bodyPr>
+        <a:lstStyle/>
+        <a:p>
+          <a:pPr marL="228600" lvl="1" indent="-228600" algn="l" defTabSz="977900">
+            <a:lnSpc>
+              <a:spcPct val="90000"/>
+            </a:lnSpc>
+            <a:spcBef>
+              <a:spcPct val="0"/>
+            </a:spcBef>
+            <a:spcAft>
+              <a:spcPct val="15000"/>
+            </a:spcAft>
+            <a:buChar char="•"/>
+          </a:pPr>
+          <a:r>
+            <a:rPr lang="de-DE" sz="2200" kern="1200" dirty="0"/>
+            <a:t>Schwierige Kommunikation durch schlechte Sprachsynthese</a:t>
+          </a:r>
+        </a:p>
+        <a:p>
+          <a:pPr marL="228600" lvl="1" indent="-228600" algn="l" defTabSz="977900">
+            <a:lnSpc>
+              <a:spcPct val="90000"/>
+            </a:lnSpc>
+            <a:spcBef>
+              <a:spcPct val="0"/>
+            </a:spcBef>
+            <a:spcAft>
+              <a:spcPct val="15000"/>
+            </a:spcAft>
+            <a:buChar char="•"/>
+          </a:pPr>
+          <a:r>
+            <a:rPr lang="de-DE" sz="2200" kern="1200" dirty="0"/>
+            <a:t>Unpräzise Spracherkennung</a:t>
+          </a:r>
+        </a:p>
+        <a:p>
+          <a:pPr marL="228600" lvl="1" indent="-228600" algn="l" defTabSz="977900">
+            <a:lnSpc>
+              <a:spcPct val="90000"/>
+            </a:lnSpc>
+            <a:spcBef>
+              <a:spcPct val="0"/>
+            </a:spcBef>
+            <a:spcAft>
+              <a:spcPct val="15000"/>
+            </a:spcAft>
+            <a:buChar char="•"/>
+          </a:pPr>
+          <a:r>
+            <a:rPr lang="de-DE" sz="2200" kern="1200" dirty="0"/>
+            <a:t>Nur Englisch wird offiziell unterstützt</a:t>
+          </a:r>
+        </a:p>
+        <a:p>
+          <a:pPr marL="228600" lvl="1" indent="-228600" algn="l" defTabSz="977900">
+            <a:lnSpc>
+              <a:spcPct val="90000"/>
+            </a:lnSpc>
+            <a:spcBef>
+              <a:spcPct val="0"/>
+            </a:spcBef>
+            <a:spcAft>
+              <a:spcPct val="15000"/>
+            </a:spcAft>
+            <a:buChar char="•"/>
+          </a:pPr>
+          <a:r>
+            <a:rPr lang="de-DE" sz="2200" kern="1200" dirty="0"/>
+            <a:t>Keine Authentifizierung bei Spracheingabe</a:t>
+          </a:r>
+        </a:p>
+        <a:p>
+          <a:pPr marL="228600" lvl="1" indent="-228600" algn="l" defTabSz="977900">
+            <a:lnSpc>
+              <a:spcPct val="90000"/>
+            </a:lnSpc>
+            <a:spcBef>
+              <a:spcPct val="0"/>
+            </a:spcBef>
+            <a:spcAft>
+              <a:spcPct val="15000"/>
+            </a:spcAft>
+            <a:buChar char="•"/>
+          </a:pPr>
+          <a:r>
+            <a:rPr lang="de-DE" sz="2200" kern="1200" dirty="0"/>
+            <a:t>Cloud-Anbindung</a:t>
+          </a:r>
+        </a:p>
+        <a:p>
+          <a:pPr marL="228600" lvl="1" indent="-228600" algn="l" defTabSz="977900">
+            <a:lnSpc>
+              <a:spcPct val="90000"/>
+            </a:lnSpc>
+            <a:spcBef>
+              <a:spcPct val="0"/>
+            </a:spcBef>
+            <a:spcAft>
+              <a:spcPct val="15000"/>
+            </a:spcAft>
+            <a:buChar char="•"/>
+          </a:pPr>
+          <a:endParaRPr lang="de-DE" sz="2200" kern="1200" dirty="0"/>
+        </a:p>
+      </dsp:txBody>
+      <dsp:txXfrm>
+        <a:off x="5636437" y="654947"/>
+        <a:ext cx="4944197" cy="3668692"/>
+      </dsp:txXfrm>
+    </dsp:sp>
+  </dsp:spTree>
+</dsp:drawing>
+</file>
+
 <file path=ppt/diagrams/layout1.xml><?xml version="1.0" encoding="utf-8"?>
 <dgm:layoutDef xmlns:dgm="http://schemas.openxmlformats.org/drawingml/2006/diagram" xmlns:a="http://schemas.openxmlformats.org/drawingml/2006/main" uniqueId="urn:microsoft.com/office/officeart/2005/8/layout/vList5">
   <dgm:title val=""/>
@@ -3015,7 +4752,1258 @@
 </dgm:layoutDef>
 </file>
 
+<file path=ppt/diagrams/layout2.xml><?xml version="1.0" encoding="utf-8"?>
+<dgm:layoutDef xmlns:dgm="http://schemas.openxmlformats.org/drawingml/2006/diagram" xmlns:a="http://schemas.openxmlformats.org/drawingml/2006/main" uniqueId="urn:microsoft.com/office/officeart/2005/8/layout/hList1">
+  <dgm:title val=""/>
+  <dgm:desc val=""/>
+  <dgm:catLst>
+    <dgm:cat type="list" pri="5000"/>
+    <dgm:cat type="convert" pri="5000"/>
+  </dgm:catLst>
+  <dgm:sampData>
+    <dgm:dataModel>
+      <dgm:ptLst>
+        <dgm:pt modelId="0" type="doc"/>
+        <dgm:pt modelId="1">
+          <dgm:prSet phldr="1"/>
+        </dgm:pt>
+        <dgm:pt modelId="11">
+          <dgm:prSet phldr="1"/>
+        </dgm:pt>
+        <dgm:pt modelId="12">
+          <dgm:prSet phldr="1"/>
+        </dgm:pt>
+        <dgm:pt modelId="2">
+          <dgm:prSet phldr="1"/>
+        </dgm:pt>
+        <dgm:pt modelId="21">
+          <dgm:prSet phldr="1"/>
+        </dgm:pt>
+        <dgm:pt modelId="22">
+          <dgm:prSet phldr="1"/>
+        </dgm:pt>
+        <dgm:pt modelId="3">
+          <dgm:prSet phldr="1"/>
+        </dgm:pt>
+        <dgm:pt modelId="31">
+          <dgm:prSet phldr="1"/>
+        </dgm:pt>
+        <dgm:pt modelId="32">
+          <dgm:prSet phldr="1"/>
+        </dgm:pt>
+      </dgm:ptLst>
+      <dgm:cxnLst>
+        <dgm:cxn modelId="4" srcId="0" destId="1" srcOrd="0" destOrd="0"/>
+        <dgm:cxn modelId="5" srcId="0" destId="2" srcOrd="1" destOrd="0"/>
+        <dgm:cxn modelId="6" srcId="0" destId="3" srcOrd="2" destOrd="0"/>
+        <dgm:cxn modelId="13" srcId="1" destId="11" srcOrd="0" destOrd="0"/>
+        <dgm:cxn modelId="14" srcId="1" destId="12" srcOrd="1" destOrd="0"/>
+        <dgm:cxn modelId="23" srcId="2" destId="21" srcOrd="0" destOrd="0"/>
+        <dgm:cxn modelId="24" srcId="2" destId="22" srcOrd="1" destOrd="0"/>
+        <dgm:cxn modelId="33" srcId="3" destId="31" srcOrd="0" destOrd="0"/>
+        <dgm:cxn modelId="34" srcId="3" destId="32" srcOrd="1" destOrd="0"/>
+      </dgm:cxnLst>
+      <dgm:bg/>
+      <dgm:whole/>
+    </dgm:dataModel>
+  </dgm:sampData>
+  <dgm:styleData>
+    <dgm:dataModel>
+      <dgm:ptLst>
+        <dgm:pt modelId="0" type="doc"/>
+        <dgm:pt modelId="1">
+          <dgm:prSet phldr="1"/>
+        </dgm:pt>
+        <dgm:pt modelId="2">
+          <dgm:prSet phldr="1"/>
+        </dgm:pt>
+      </dgm:ptLst>
+      <dgm:cxnLst>
+        <dgm:cxn modelId="3" srcId="0" destId="1" srcOrd="0" destOrd="0"/>
+        <dgm:cxn modelId="4" srcId="0" destId="2" srcOrd="1" destOrd="0"/>
+      </dgm:cxnLst>
+      <dgm:bg/>
+      <dgm:whole/>
+    </dgm:dataModel>
+  </dgm:styleData>
+  <dgm:clrData>
+    <dgm:dataModel>
+      <dgm:ptLst>
+        <dgm:pt modelId="0" type="doc"/>
+        <dgm:pt modelId="1">
+          <dgm:prSet phldr="1"/>
+        </dgm:pt>
+        <dgm:pt modelId="2">
+          <dgm:prSet phldr="1"/>
+        </dgm:pt>
+        <dgm:pt modelId="3">
+          <dgm:prSet phldr="1"/>
+        </dgm:pt>
+        <dgm:pt modelId="4">
+          <dgm:prSet phldr="1"/>
+        </dgm:pt>
+      </dgm:ptLst>
+      <dgm:cxnLst>
+        <dgm:cxn modelId="5" srcId="0" destId="1" srcOrd="0" destOrd="0"/>
+        <dgm:cxn modelId="6" srcId="0" destId="2" srcOrd="1" destOrd="0"/>
+        <dgm:cxn modelId="7" srcId="0" destId="3" srcOrd="2" destOrd="0"/>
+        <dgm:cxn modelId="8" srcId="0" destId="4" srcOrd="3" destOrd="0"/>
+      </dgm:cxnLst>
+      <dgm:bg/>
+      <dgm:whole/>
+    </dgm:dataModel>
+  </dgm:clrData>
+  <dgm:layoutNode name="Name0">
+    <dgm:varLst>
+      <dgm:dir/>
+      <dgm:animLvl val="lvl"/>
+      <dgm:resizeHandles val="exact"/>
+    </dgm:varLst>
+    <dgm:choose name="Name1">
+      <dgm:if name="Name2" func="var" arg="dir" op="equ" val="norm">
+        <dgm:alg type="lin"/>
+      </dgm:if>
+      <dgm:else name="Name3">
+        <dgm:alg type="lin">
+          <dgm:param type="linDir" val="fromR"/>
+        </dgm:alg>
+      </dgm:else>
+    </dgm:choose>
+    <dgm:shape xmlns:r="http://schemas.openxmlformats.org/officeDocument/2006/relationships" r:blip="">
+      <dgm:adjLst/>
+    </dgm:shape>
+    <dgm:presOf/>
+    <dgm:constrLst>
+      <dgm:constr type="h" for="ch" forName="composite" refType="h"/>
+      <dgm:constr type="w" for="ch" forName="composite" refType="w"/>
+      <dgm:constr type="w" for="des" forName="parTx"/>
+      <dgm:constr type="h" for="des" forName="parTx" op="equ"/>
+      <dgm:constr type="w" for="des" forName="desTx"/>
+      <dgm:constr type="h" for="des" forName="desTx" op="equ"/>
+      <dgm:constr type="primFontSz" for="des" forName="parTx" val="65"/>
+      <dgm:constr type="secFontSz" for="des" forName="desTx" refType="primFontSz" refFor="des" refForName="parTx" op="equ"/>
+      <dgm:constr type="h" for="des" forName="parTx" refType="primFontSz" refFor="des" refForName="parTx" fact="0.8"/>
+      <dgm:constr type="h" for="des" forName="desTx" refType="primFontSz" refFor="des" refForName="parTx" fact="1.22"/>
+      <dgm:constr type="w" for="ch" forName="space" refType="w" refFor="ch" refForName="composite" op="equ" fact="0.14"/>
+    </dgm:constrLst>
+    <dgm:ruleLst>
+      <dgm:rule type="w" for="ch" forName="composite" val="0" fact="NaN" max="NaN"/>
+      <dgm:rule type="primFontSz" for="des" forName="parTx" val="5" fact="NaN" max="NaN"/>
+    </dgm:ruleLst>
+    <dgm:forEach name="Name4" axis="ch" ptType="node">
+      <dgm:layoutNode name="composite">
+        <dgm:alg type="composite"/>
+        <dgm:shape xmlns:r="http://schemas.openxmlformats.org/officeDocument/2006/relationships" r:blip="">
+          <dgm:adjLst/>
+        </dgm:shape>
+        <dgm:presOf/>
+        <dgm:constrLst>
+          <dgm:constr type="l" for="ch" forName="parTx"/>
+          <dgm:constr type="w" for="ch" forName="parTx" refType="w"/>
+          <dgm:constr type="t" for="ch" forName="parTx"/>
+          <dgm:constr type="l" for="ch" forName="desTx"/>
+          <dgm:constr type="w" for="ch" forName="desTx" refType="w" refFor="ch" refForName="parTx"/>
+          <dgm:constr type="t" for="ch" forName="desTx" refType="h" refFor="ch" refForName="parTx"/>
+        </dgm:constrLst>
+        <dgm:ruleLst>
+          <dgm:rule type="h" val="INF" fact="NaN" max="NaN"/>
+        </dgm:ruleLst>
+        <dgm:layoutNode name="parTx" styleLbl="alignNode1">
+          <dgm:varLst>
+            <dgm:chMax val="0"/>
+            <dgm:chPref val="0"/>
+            <dgm:bulletEnabled val="1"/>
+          </dgm:varLst>
+          <dgm:alg type="tx"/>
+          <dgm:shape xmlns:r="http://schemas.openxmlformats.org/officeDocument/2006/relationships" type="rect" r:blip="">
+            <dgm:adjLst/>
+          </dgm:shape>
+          <dgm:presOf axis="self" ptType="node"/>
+          <dgm:constrLst>
+            <dgm:constr type="h" refType="w" op="lte" fact="0.4"/>
+            <dgm:constr type="h"/>
+            <dgm:constr type="tMarg" refType="primFontSz" fact="0.32"/>
+            <dgm:constr type="bMarg" refType="primFontSz" fact="0.32"/>
+          </dgm:constrLst>
+          <dgm:ruleLst>
+            <dgm:rule type="h" val="INF" fact="NaN" max="NaN"/>
+          </dgm:ruleLst>
+        </dgm:layoutNode>
+        <dgm:layoutNode name="desTx" styleLbl="alignAccFollowNode1">
+          <dgm:varLst>
+            <dgm:bulletEnabled val="1"/>
+          </dgm:varLst>
+          <dgm:alg type="tx">
+            <dgm:param type="stBulletLvl" val="1"/>
+          </dgm:alg>
+          <dgm:shape xmlns:r="http://schemas.openxmlformats.org/officeDocument/2006/relationships" type="rect" r:blip="">
+            <dgm:adjLst/>
+          </dgm:shape>
+          <dgm:presOf axis="des" ptType="node"/>
+          <dgm:constrLst>
+            <dgm:constr type="secFontSz" val="65"/>
+            <dgm:constr type="primFontSz" refType="secFontSz"/>
+            <dgm:constr type="h"/>
+            <dgm:constr type="lMarg" refType="primFontSz" fact="0.42"/>
+            <dgm:constr type="tMarg" refType="primFontSz" fact="0.42"/>
+            <dgm:constr type="bMarg" refType="primFontSz" fact="0.63"/>
+          </dgm:constrLst>
+          <dgm:ruleLst>
+            <dgm:rule type="h" val="INF" fact="NaN" max="NaN"/>
+          </dgm:ruleLst>
+        </dgm:layoutNode>
+      </dgm:layoutNode>
+      <dgm:forEach name="Name5" axis="followSib" ptType="sibTrans" cnt="1">
+        <dgm:layoutNode name="space">
+          <dgm:alg type="sp"/>
+          <dgm:shape xmlns:r="http://schemas.openxmlformats.org/officeDocument/2006/relationships" r:blip="">
+            <dgm:adjLst/>
+          </dgm:shape>
+          <dgm:presOf/>
+          <dgm:constrLst/>
+          <dgm:ruleLst/>
+        </dgm:layoutNode>
+      </dgm:forEach>
+    </dgm:forEach>
+  </dgm:layoutNode>
+</dgm:layoutDef>
+</file>
+
 <file path=ppt/diagrams/quickStyle1.xml><?xml version="1.0" encoding="utf-8"?>
+<dgm:styleDef xmlns:dgm="http://schemas.openxmlformats.org/drawingml/2006/diagram" xmlns:a="http://schemas.openxmlformats.org/drawingml/2006/main" uniqueId="urn:microsoft.com/office/officeart/2005/8/quickstyle/simple1">
+  <dgm:title val=""/>
+  <dgm:desc val=""/>
+  <dgm:catLst>
+    <dgm:cat type="simple" pri="10100"/>
+  </dgm:catLst>
+  <dgm:scene3d>
+    <a:camera prst="orthographicFront"/>
+    <a:lightRig rig="threePt" dir="t"/>
+  </dgm:scene3d>
+  <dgm:styleLbl name="node0">
+    <dgm:scene3d>
+      <a:camera prst="orthographicFront"/>
+      <a:lightRig rig="threePt" dir="t"/>
+    </dgm:scene3d>
+    <dgm:sp3d/>
+    <dgm:txPr/>
+    <dgm:style>
+      <a:lnRef idx="2">
+        <a:scrgbClr r="0" g="0" b="0"/>
+      </a:lnRef>
+      <a:fillRef idx="1">
+        <a:scrgbClr r="0" g="0" b="0"/>
+      </a:fillRef>
+      <a:effectRef idx="0">
+        <a:scrgbClr r="0" g="0" b="0"/>
+      </a:effectRef>
+      <a:fontRef idx="minor">
+        <a:schemeClr val="lt1"/>
+      </a:fontRef>
+    </dgm:style>
+  </dgm:styleLbl>
+  <dgm:styleLbl name="lnNode1">
+    <dgm:scene3d>
+      <a:camera prst="orthographicFront"/>
+      <a:lightRig rig="threePt" dir="t"/>
+    </dgm:scene3d>
+    <dgm:sp3d/>
+    <dgm:txPr/>
+    <dgm:style>
+      <a:lnRef idx="2">
+        <a:scrgbClr r="0" g="0" b="0"/>
+      </a:lnRef>
+      <a:fillRef idx="1">
+        <a:scrgbClr r="0" g="0" b="0"/>
+      </a:fillRef>
+      <a:effectRef idx="0">
+        <a:scrgbClr r="0" g="0" b="0"/>
+      </a:effectRef>
+      <a:fontRef idx="minor">
+        <a:schemeClr val="lt1"/>
+      </a:fontRef>
+    </dgm:style>
+  </dgm:styleLbl>
+  <dgm:styleLbl name="vennNode1">
+    <dgm:scene3d>
+      <a:camera prst="orthographicFront"/>
+      <a:lightRig rig="threePt" dir="t"/>
+    </dgm:scene3d>
+    <dgm:sp3d/>
+    <dgm:txPr/>
+    <dgm:style>
+      <a:lnRef idx="2">
+        <a:scrgbClr r="0" g="0" b="0"/>
+      </a:lnRef>
+      <a:fillRef idx="1">
+        <a:scrgbClr r="0" g="0" b="0"/>
+      </a:fillRef>
+      <a:effectRef idx="0">
+        <a:scrgbClr r="0" g="0" b="0"/>
+      </a:effectRef>
+      <a:fontRef idx="minor">
+        <a:schemeClr val="tx1"/>
+      </a:fontRef>
+    </dgm:style>
+  </dgm:styleLbl>
+  <dgm:styleLbl name="alignNode1">
+    <dgm:scene3d>
+      <a:camera prst="orthographicFront"/>
+      <a:lightRig rig="threePt" dir="t"/>
+    </dgm:scene3d>
+    <dgm:sp3d/>
+    <dgm:txPr/>
+    <dgm:style>
+      <a:lnRef idx="2">
+        <a:scrgbClr r="0" g="0" b="0"/>
+      </a:lnRef>
+      <a:fillRef idx="1">
+        <a:scrgbClr r="0" g="0" b="0"/>
+      </a:fillRef>
+      <a:effectRef idx="0">
+        <a:scrgbClr r="0" g="0" b="0"/>
+      </a:effectRef>
+      <a:fontRef idx="minor">
+        <a:schemeClr val="lt1"/>
+      </a:fontRef>
+    </dgm:style>
+  </dgm:styleLbl>
+  <dgm:styleLbl name="node1">
+    <dgm:scene3d>
+      <a:camera prst="orthographicFront"/>
+      <a:lightRig rig="threePt" dir="t"/>
+    </dgm:scene3d>
+    <dgm:sp3d/>
+    <dgm:txPr/>
+    <dgm:style>
+      <a:lnRef idx="2">
+        <a:scrgbClr r="0" g="0" b="0"/>
+      </a:lnRef>
+      <a:fillRef idx="1">
+        <a:scrgbClr r="0" g="0" b="0"/>
+      </a:fillRef>
+      <a:effectRef idx="0">
+        <a:scrgbClr r="0" g="0" b="0"/>
+      </a:effectRef>
+      <a:fontRef idx="minor">
+        <a:schemeClr val="lt1"/>
+      </a:fontRef>
+    </dgm:style>
+  </dgm:styleLbl>
+  <dgm:styleLbl name="node2">
+    <dgm:scene3d>
+      <a:camera prst="orthographicFront"/>
+      <a:lightRig rig="threePt" dir="t"/>
+    </dgm:scene3d>
+    <dgm:sp3d/>
+    <dgm:txPr/>
+    <dgm:style>
+      <a:lnRef idx="2">
+        <a:scrgbClr r="0" g="0" b="0"/>
+      </a:lnRef>
+      <a:fillRef idx="1">
+        <a:scrgbClr r="0" g="0" b="0"/>
+      </a:fillRef>
+      <a:effectRef idx="0">
+        <a:scrgbClr r="0" g="0" b="0"/>
+      </a:effectRef>
+      <a:fontRef idx="minor">
+        <a:schemeClr val="lt1"/>
+      </a:fontRef>
+    </dgm:style>
+  </dgm:styleLbl>
+  <dgm:styleLbl name="node3">
+    <dgm:scene3d>
+      <a:camera prst="orthographicFront"/>
+      <a:lightRig rig="threePt" dir="t"/>
+    </dgm:scene3d>
+    <dgm:sp3d/>
+    <dgm:txPr/>
+    <dgm:style>
+      <a:lnRef idx="2">
+        <a:scrgbClr r="0" g="0" b="0"/>
+      </a:lnRef>
+      <a:fillRef idx="1">
+        <a:scrgbClr r="0" g="0" b="0"/>
+      </a:fillRef>
+      <a:effectRef idx="0">
+        <a:scrgbClr r="0" g="0" b="0"/>
+      </a:effectRef>
+      <a:fontRef idx="minor">
+        <a:schemeClr val="lt1"/>
+      </a:fontRef>
+    </dgm:style>
+  </dgm:styleLbl>
+  <dgm:styleLbl name="node4">
+    <dgm:scene3d>
+      <a:camera prst="orthographicFront"/>
+      <a:lightRig rig="threePt" dir="t"/>
+    </dgm:scene3d>
+    <dgm:sp3d/>
+    <dgm:txPr/>
+    <dgm:style>
+      <a:lnRef idx="2">
+        <a:scrgbClr r="0" g="0" b="0"/>
+      </a:lnRef>
+      <a:fillRef idx="1">
+        <a:scrgbClr r="0" g="0" b="0"/>
+      </a:fillRef>
+      <a:effectRef idx="0">
+        <a:scrgbClr r="0" g="0" b="0"/>
+      </a:effectRef>
+      <a:fontRef idx="minor">
+        <a:schemeClr val="lt1"/>
+      </a:fontRef>
+    </dgm:style>
+  </dgm:styleLbl>
+  <dgm:styleLbl name="fgImgPlace1">
+    <dgm:scene3d>
+      <a:camera prst="orthographicFront"/>
+      <a:lightRig rig="threePt" dir="t"/>
+    </dgm:scene3d>
+    <dgm:sp3d/>
+    <dgm:txPr/>
+    <dgm:style>
+      <a:lnRef idx="2">
+        <a:scrgbClr r="0" g="0" b="0"/>
+      </a:lnRef>
+      <a:fillRef idx="1">
+        <a:scrgbClr r="0" g="0" b="0"/>
+      </a:fillRef>
+      <a:effectRef idx="0">
+        <a:scrgbClr r="0" g="0" b="0"/>
+      </a:effectRef>
+      <a:fontRef idx="minor"/>
+    </dgm:style>
+  </dgm:styleLbl>
+  <dgm:styleLbl name="alignImgPlace1">
+    <dgm:scene3d>
+      <a:camera prst="orthographicFront"/>
+      <a:lightRig rig="threePt" dir="t"/>
+    </dgm:scene3d>
+    <dgm:sp3d/>
+    <dgm:txPr/>
+    <dgm:style>
+      <a:lnRef idx="2">
+        <a:scrgbClr r="0" g="0" b="0"/>
+      </a:lnRef>
+      <a:fillRef idx="1">
+        <a:scrgbClr r="0" g="0" b="0"/>
+      </a:fillRef>
+      <a:effectRef idx="0">
+        <a:scrgbClr r="0" g="0" b="0"/>
+      </a:effectRef>
+      <a:fontRef idx="minor"/>
+    </dgm:style>
+  </dgm:styleLbl>
+  <dgm:styleLbl name="bgImgPlace1">
+    <dgm:scene3d>
+      <a:camera prst="orthographicFront"/>
+      <a:lightRig rig="threePt" dir="t"/>
+    </dgm:scene3d>
+    <dgm:sp3d/>
+    <dgm:txPr/>
+    <dgm:style>
+      <a:lnRef idx="2">
+        <a:scrgbClr r="0" g="0" b="0"/>
+      </a:lnRef>
+      <a:fillRef idx="1">
+        <a:scrgbClr r="0" g="0" b="0"/>
+      </a:fillRef>
+      <a:effectRef idx="0">
+        <a:scrgbClr r="0" g="0" b="0"/>
+      </a:effectRef>
+      <a:fontRef idx="minor"/>
+    </dgm:style>
+  </dgm:styleLbl>
+  <dgm:styleLbl name="sibTrans2D1">
+    <dgm:scene3d>
+      <a:camera prst="orthographicFront"/>
+      <a:lightRig rig="threePt" dir="t"/>
+    </dgm:scene3d>
+    <dgm:sp3d/>
+    <dgm:txPr/>
+    <dgm:style>
+      <a:lnRef idx="0">
+        <a:scrgbClr r="0" g="0" b="0"/>
+      </a:lnRef>
+      <a:fillRef idx="1">
+        <a:scrgbClr r="0" g="0" b="0"/>
+      </a:fillRef>
+      <a:effectRef idx="0">
+        <a:scrgbClr r="0" g="0" b="0"/>
+      </a:effectRef>
+      <a:fontRef idx="minor">
+        <a:schemeClr val="lt1"/>
+      </a:fontRef>
+    </dgm:style>
+  </dgm:styleLbl>
+  <dgm:styleLbl name="fgSibTrans2D1">
+    <dgm:scene3d>
+      <a:camera prst="orthographicFront"/>
+      <a:lightRig rig="threePt" dir="t"/>
+    </dgm:scene3d>
+    <dgm:sp3d/>
+    <dgm:txPr/>
+    <dgm:style>
+      <a:lnRef idx="0">
+        <a:scrgbClr r="0" g="0" b="0"/>
+      </a:lnRef>
+      <a:fillRef idx="1">
+        <a:scrgbClr r="0" g="0" b="0"/>
+      </a:fillRef>
+      <a:effectRef idx="0">
+        <a:scrgbClr r="0" g="0" b="0"/>
+      </a:effectRef>
+      <a:fontRef idx="minor">
+        <a:schemeClr val="lt1"/>
+      </a:fontRef>
+    </dgm:style>
+  </dgm:styleLbl>
+  <dgm:styleLbl name="bgSibTrans2D1">
+    <dgm:scene3d>
+      <a:camera prst="orthographicFront"/>
+      <a:lightRig rig="threePt" dir="t"/>
+    </dgm:scene3d>
+    <dgm:sp3d/>
+    <dgm:txPr/>
+    <dgm:style>
+      <a:lnRef idx="0">
+        <a:scrgbClr r="0" g="0" b="0"/>
+      </a:lnRef>
+      <a:fillRef idx="1">
+        <a:scrgbClr r="0" g="0" b="0"/>
+      </a:fillRef>
+      <a:effectRef idx="0">
+        <a:scrgbClr r="0" g="0" b="0"/>
+      </a:effectRef>
+      <a:fontRef idx="minor">
+        <a:schemeClr val="lt1"/>
+      </a:fontRef>
+    </dgm:style>
+  </dgm:styleLbl>
+  <dgm:styleLbl name="sibTrans1D1">
+    <dgm:scene3d>
+      <a:camera prst="orthographicFront"/>
+      <a:lightRig rig="threePt" dir="t"/>
+    </dgm:scene3d>
+    <dgm:sp3d/>
+    <dgm:txPr/>
+    <dgm:style>
+      <a:lnRef idx="1">
+        <a:scrgbClr r="0" g="0" b="0"/>
+      </a:lnRef>
+      <a:fillRef idx="0">
+        <a:scrgbClr r="0" g="0" b="0"/>
+      </a:fillRef>
+      <a:effectRef idx="0">
+        <a:scrgbClr r="0" g="0" b="0"/>
+      </a:effectRef>
+      <a:fontRef idx="minor"/>
+    </dgm:style>
+  </dgm:styleLbl>
+  <dgm:styleLbl name="callout">
+    <dgm:scene3d>
+      <a:camera prst="orthographicFront"/>
+      <a:lightRig rig="threePt" dir="t"/>
+    </dgm:scene3d>
+    <dgm:sp3d/>
+    <dgm:txPr/>
+    <dgm:style>
+      <a:lnRef idx="2">
+        <a:scrgbClr r="0" g="0" b="0"/>
+      </a:lnRef>
+      <a:fillRef idx="1">
+        <a:scrgbClr r="0" g="0" b="0"/>
+      </a:fillRef>
+      <a:effectRef idx="0">
+        <a:scrgbClr r="0" g="0" b="0"/>
+      </a:effectRef>
+      <a:fontRef idx="minor"/>
+    </dgm:style>
+  </dgm:styleLbl>
+  <dgm:styleLbl name="asst0">
+    <dgm:scene3d>
+      <a:camera prst="orthographicFront"/>
+      <a:lightRig rig="threePt" dir="t"/>
+    </dgm:scene3d>
+    <dgm:sp3d/>
+    <dgm:txPr/>
+    <dgm:style>
+      <a:lnRef idx="2">
+        <a:scrgbClr r="0" g="0" b="0"/>
+      </a:lnRef>
+      <a:fillRef idx="1">
+        <a:scrgbClr r="0" g="0" b="0"/>
+      </a:fillRef>
+      <a:effectRef idx="0">
+        <a:scrgbClr r="0" g="0" b="0"/>
+      </a:effectRef>
+      <a:fontRef idx="minor">
+        <a:schemeClr val="lt1"/>
+      </a:fontRef>
+    </dgm:style>
+  </dgm:styleLbl>
+  <dgm:styleLbl name="asst1">
+    <dgm:scene3d>
+      <a:camera prst="orthographicFront"/>
+      <a:lightRig rig="threePt" dir="t"/>
+    </dgm:scene3d>
+    <dgm:sp3d/>
+    <dgm:txPr/>
+    <dgm:style>
+      <a:lnRef idx="2">
+        <a:scrgbClr r="0" g="0" b="0"/>
+      </a:lnRef>
+      <a:fillRef idx="1">
+        <a:scrgbClr r="0" g="0" b="0"/>
+      </a:fillRef>
+      <a:effectRef idx="0">
+        <a:scrgbClr r="0" g="0" b="0"/>
+      </a:effectRef>
+      <a:fontRef idx="minor">
+        <a:schemeClr val="lt1"/>
+      </a:fontRef>
+    </dgm:style>
+  </dgm:styleLbl>
+  <dgm:styleLbl name="asst2">
+    <dgm:scene3d>
+      <a:camera prst="orthographicFront"/>
+      <a:lightRig rig="threePt" dir="t"/>
+    </dgm:scene3d>
+    <dgm:sp3d/>
+    <dgm:txPr/>
+    <dgm:style>
+      <a:lnRef idx="2">
+        <a:scrgbClr r="0" g="0" b="0"/>
+      </a:lnRef>
+      <a:fillRef idx="1">
+        <a:scrgbClr r="0" g="0" b="0"/>
+      </a:fillRef>
+      <a:effectRef idx="0">
+        <a:scrgbClr r="0" g="0" b="0"/>
+      </a:effectRef>
+      <a:fontRef idx="minor">
+        <a:schemeClr val="lt1"/>
+      </a:fontRef>
+    </dgm:style>
+  </dgm:styleLbl>
+  <dgm:styleLbl name="asst3">
+    <dgm:scene3d>
+      <a:camera prst="orthographicFront"/>
+      <a:lightRig rig="threePt" dir="t"/>
+    </dgm:scene3d>
+    <dgm:sp3d/>
+    <dgm:txPr/>
+    <dgm:style>
+      <a:lnRef idx="2">
+        <a:scrgbClr r="0" g="0" b="0"/>
+      </a:lnRef>
+      <a:fillRef idx="1">
+        <a:scrgbClr r="0" g="0" b="0"/>
+      </a:fillRef>
+      <a:effectRef idx="0">
+        <a:scrgbClr r="0" g="0" b="0"/>
+      </a:effectRef>
+      <a:fontRef idx="minor">
+        <a:schemeClr val="lt1"/>
+      </a:fontRef>
+    </dgm:style>
+  </dgm:styleLbl>
+  <dgm:styleLbl name="asst4">
+    <dgm:scene3d>
+      <a:camera prst="orthographicFront"/>
+      <a:lightRig rig="threePt" dir="t"/>
+    </dgm:scene3d>
+    <dgm:sp3d/>
+    <dgm:txPr/>
+    <dgm:style>
+      <a:lnRef idx="2">
+        <a:scrgbClr r="0" g="0" b="0"/>
+      </a:lnRef>
+      <a:fillRef idx="1">
+        <a:scrgbClr r="0" g="0" b="0"/>
+      </a:fillRef>
+      <a:effectRef idx="0">
+        <a:scrgbClr r="0" g="0" b="0"/>
+      </a:effectRef>
+      <a:fontRef idx="minor">
+        <a:schemeClr val="lt1"/>
+      </a:fontRef>
+    </dgm:style>
+  </dgm:styleLbl>
+  <dgm:styleLbl name="parChTrans2D1">
+    <dgm:scene3d>
+      <a:camera prst="orthographicFront"/>
+      <a:lightRig rig="threePt" dir="t"/>
+    </dgm:scene3d>
+    <dgm:sp3d/>
+    <dgm:txPr/>
+    <dgm:style>
+      <a:lnRef idx="2">
+        <a:scrgbClr r="0" g="0" b="0"/>
+      </a:lnRef>
+      <a:fillRef idx="1">
+        <a:scrgbClr r="0" g="0" b="0"/>
+      </a:fillRef>
+      <a:effectRef idx="0">
+        <a:scrgbClr r="0" g="0" b="0"/>
+      </a:effectRef>
+      <a:fontRef idx="minor">
+        <a:schemeClr val="lt1"/>
+      </a:fontRef>
+    </dgm:style>
+  </dgm:styleLbl>
+  <dgm:styleLbl name="parChTrans2D2">
+    <dgm:scene3d>
+      <a:camera prst="orthographicFront"/>
+      <a:lightRig rig="threePt" dir="t"/>
+    </dgm:scene3d>
+    <dgm:sp3d/>
+    <dgm:txPr/>
+    <dgm:style>
+      <a:lnRef idx="2">
+        <a:scrgbClr r="0" g="0" b="0"/>
+      </a:lnRef>
+      <a:fillRef idx="1">
+        <a:scrgbClr r="0" g="0" b="0"/>
+      </a:fillRef>
+      <a:effectRef idx="0">
+        <a:scrgbClr r="0" g="0" b="0"/>
+      </a:effectRef>
+      <a:fontRef idx="minor">
+        <a:schemeClr val="lt1"/>
+      </a:fontRef>
+    </dgm:style>
+  </dgm:styleLbl>
+  <dgm:styleLbl name="parChTrans2D3">
+    <dgm:scene3d>
+      <a:camera prst="orthographicFront"/>
+      <a:lightRig rig="threePt" dir="t"/>
+    </dgm:scene3d>
+    <dgm:sp3d/>
+    <dgm:txPr/>
+    <dgm:style>
+      <a:lnRef idx="2">
+        <a:scrgbClr r="0" g="0" b="0"/>
+      </a:lnRef>
+      <a:fillRef idx="1">
+        <a:scrgbClr r="0" g="0" b="0"/>
+      </a:fillRef>
+      <a:effectRef idx="0">
+        <a:scrgbClr r="0" g="0" b="0"/>
+      </a:effectRef>
+      <a:fontRef idx="minor">
+        <a:schemeClr val="lt1"/>
+      </a:fontRef>
+    </dgm:style>
+  </dgm:styleLbl>
+  <dgm:styleLbl name="parChTrans2D4">
+    <dgm:scene3d>
+      <a:camera prst="orthographicFront"/>
+      <a:lightRig rig="threePt" dir="t"/>
+    </dgm:scene3d>
+    <dgm:sp3d/>
+    <dgm:txPr/>
+    <dgm:style>
+      <a:lnRef idx="2">
+        <a:scrgbClr r="0" g="0" b="0"/>
+      </a:lnRef>
+      <a:fillRef idx="1">
+        <a:scrgbClr r="0" g="0" b="0"/>
+      </a:fillRef>
+      <a:effectRef idx="0">
+        <a:scrgbClr r="0" g="0" b="0"/>
+      </a:effectRef>
+      <a:fontRef idx="minor">
+        <a:schemeClr val="lt1"/>
+      </a:fontRef>
+    </dgm:style>
+  </dgm:styleLbl>
+  <dgm:styleLbl name="parChTrans1D1">
+    <dgm:scene3d>
+      <a:camera prst="orthographicFront"/>
+      <a:lightRig rig="threePt" dir="t"/>
+    </dgm:scene3d>
+    <dgm:sp3d/>
+    <dgm:txPr/>
+    <dgm:style>
+      <a:lnRef idx="2">
+        <a:scrgbClr r="0" g="0" b="0"/>
+      </a:lnRef>
+      <a:fillRef idx="0">
+        <a:scrgbClr r="0" g="0" b="0"/>
+      </a:fillRef>
+      <a:effectRef idx="0">
+        <a:scrgbClr r="0" g="0" b="0"/>
+      </a:effectRef>
+      <a:fontRef idx="minor"/>
+    </dgm:style>
+  </dgm:styleLbl>
+  <dgm:styleLbl name="parChTrans1D2">
+    <dgm:scene3d>
+      <a:camera prst="orthographicFront"/>
+      <a:lightRig rig="threePt" dir="t"/>
+    </dgm:scene3d>
+    <dgm:sp3d/>
+    <dgm:txPr/>
+    <dgm:style>
+      <a:lnRef idx="2">
+        <a:scrgbClr r="0" g="0" b="0"/>
+      </a:lnRef>
+      <a:fillRef idx="0">
+        <a:scrgbClr r="0" g="0" b="0"/>
+      </a:fillRef>
+      <a:effectRef idx="0">
+        <a:scrgbClr r="0" g="0" b="0"/>
+      </a:effectRef>
+      <a:fontRef idx="minor"/>
+    </dgm:style>
+  </dgm:styleLbl>
+  <dgm:styleLbl name="parChTrans1D3">
+    <dgm:scene3d>
+      <a:camera prst="orthographicFront"/>
+      <a:lightRig rig="threePt" dir="t"/>
+    </dgm:scene3d>
+    <dgm:sp3d/>
+    <dgm:txPr/>
+    <dgm:style>
+      <a:lnRef idx="2">
+        <a:scrgbClr r="0" g="0" b="0"/>
+      </a:lnRef>
+      <a:fillRef idx="0">
+        <a:scrgbClr r="0" g="0" b="0"/>
+      </a:fillRef>
+      <a:effectRef idx="0">
+        <a:scrgbClr r="0" g="0" b="0"/>
+      </a:effectRef>
+      <a:fontRef idx="minor"/>
+    </dgm:style>
+  </dgm:styleLbl>
+  <dgm:styleLbl name="parChTrans1D4">
+    <dgm:scene3d>
+      <a:camera prst="orthographicFront"/>
+      <a:lightRig rig="threePt" dir="t"/>
+    </dgm:scene3d>
+    <dgm:sp3d/>
+    <dgm:txPr/>
+    <dgm:style>
+      <a:lnRef idx="2">
+        <a:scrgbClr r="0" g="0" b="0"/>
+      </a:lnRef>
+      <a:fillRef idx="0">
+        <a:scrgbClr r="0" g="0" b="0"/>
+      </a:fillRef>
+      <a:effectRef idx="0">
+        <a:scrgbClr r="0" g="0" b="0"/>
+      </a:effectRef>
+      <a:fontRef idx="minor"/>
+    </dgm:style>
+  </dgm:styleLbl>
+  <dgm:styleLbl name="fgAcc1">
+    <dgm:scene3d>
+      <a:camera prst="orthographicFront"/>
+      <a:lightRig rig="threePt" dir="t"/>
+    </dgm:scene3d>
+    <dgm:sp3d/>
+    <dgm:txPr/>
+    <dgm:style>
+      <a:lnRef idx="2">
+        <a:scrgbClr r="0" g="0" b="0"/>
+      </a:lnRef>
+      <a:fillRef idx="1">
+        <a:scrgbClr r="0" g="0" b="0"/>
+      </a:fillRef>
+      <a:effectRef idx="0">
+        <a:scrgbClr r="0" g="0" b="0"/>
+      </a:effectRef>
+      <a:fontRef idx="minor"/>
+    </dgm:style>
+  </dgm:styleLbl>
+  <dgm:styleLbl name="conFgAcc1">
+    <dgm:scene3d>
+      <a:camera prst="orthographicFront"/>
+      <a:lightRig rig="threePt" dir="t"/>
+    </dgm:scene3d>
+    <dgm:sp3d/>
+    <dgm:txPr/>
+    <dgm:style>
+      <a:lnRef idx="2">
+        <a:scrgbClr r="0" g="0" b="0"/>
+      </a:lnRef>
+      <a:fillRef idx="1">
+        <a:scrgbClr r="0" g="0" b="0"/>
+      </a:fillRef>
+      <a:effectRef idx="0">
+        <a:scrgbClr r="0" g="0" b="0"/>
+      </a:effectRef>
+      <a:fontRef idx="minor"/>
+    </dgm:style>
+  </dgm:styleLbl>
+  <dgm:styleLbl name="alignAcc1">
+    <dgm:scene3d>
+      <a:camera prst="orthographicFront"/>
+      <a:lightRig rig="threePt" dir="t"/>
+    </dgm:scene3d>
+    <dgm:sp3d/>
+    <dgm:txPr/>
+    <dgm:style>
+      <a:lnRef idx="2">
+        <a:scrgbClr r="0" g="0" b="0"/>
+      </a:lnRef>
+      <a:fillRef idx="1">
+        <a:scrgbClr r="0" g="0" b="0"/>
+      </a:fillRef>
+      <a:effectRef idx="0">
+        <a:scrgbClr r="0" g="0" b="0"/>
+      </a:effectRef>
+      <a:fontRef idx="minor"/>
+    </dgm:style>
+  </dgm:styleLbl>
+  <dgm:styleLbl name="trAlignAcc1">
+    <dgm:scene3d>
+      <a:camera prst="orthographicFront"/>
+      <a:lightRig rig="threePt" dir="t"/>
+    </dgm:scene3d>
+    <dgm:sp3d/>
+    <dgm:txPr/>
+    <dgm:style>
+      <a:lnRef idx="1">
+        <a:scrgbClr r="0" g="0" b="0"/>
+      </a:lnRef>
+      <a:fillRef idx="1">
+        <a:scrgbClr r="0" g="0" b="0"/>
+      </a:fillRef>
+      <a:effectRef idx="0">
+        <a:scrgbClr r="0" g="0" b="0"/>
+      </a:effectRef>
+      <a:fontRef idx="minor"/>
+    </dgm:style>
+  </dgm:styleLbl>
+  <dgm:styleLbl name="bgAcc1">
+    <dgm:scene3d>
+      <a:camera prst="orthographicFront"/>
+      <a:lightRig rig="threePt" dir="t"/>
+    </dgm:scene3d>
+    <dgm:sp3d/>
+    <dgm:txPr/>
+    <dgm:style>
+      <a:lnRef idx="2">
+        <a:scrgbClr r="0" g="0" b="0"/>
+      </a:lnRef>
+      <a:fillRef idx="1">
+        <a:scrgbClr r="0" g="0" b="0"/>
+      </a:fillRef>
+      <a:effectRef idx="0">
+        <a:scrgbClr r="0" g="0" b="0"/>
+      </a:effectRef>
+      <a:fontRef idx="minor"/>
+    </dgm:style>
+  </dgm:styleLbl>
+  <dgm:styleLbl name="solidFgAcc1">
+    <dgm:scene3d>
+      <a:camera prst="orthographicFront"/>
+      <a:lightRig rig="threePt" dir="t"/>
+    </dgm:scene3d>
+    <dgm:sp3d/>
+    <dgm:txPr/>
+    <dgm:style>
+      <a:lnRef idx="2">
+        <a:scrgbClr r="0" g="0" b="0"/>
+      </a:lnRef>
+      <a:fillRef idx="1">
+        <a:scrgbClr r="0" g="0" b="0"/>
+      </a:fillRef>
+      <a:effectRef idx="0">
+        <a:scrgbClr r="0" g="0" b="0"/>
+      </a:effectRef>
+      <a:fontRef idx="minor"/>
+    </dgm:style>
+  </dgm:styleLbl>
+  <dgm:styleLbl name="solidAlignAcc1">
+    <dgm:scene3d>
+      <a:camera prst="orthographicFront"/>
+      <a:lightRig rig="threePt" dir="t"/>
+    </dgm:scene3d>
+    <dgm:sp3d/>
+    <dgm:txPr/>
+    <dgm:style>
+      <a:lnRef idx="2">
+        <a:scrgbClr r="0" g="0" b="0"/>
+      </a:lnRef>
+      <a:fillRef idx="1">
+        <a:scrgbClr r="0" g="0" b="0"/>
+      </a:fillRef>
+      <a:effectRef idx="0">
+        <a:scrgbClr r="0" g="0" b="0"/>
+      </a:effectRef>
+      <a:fontRef idx="minor"/>
+    </dgm:style>
+  </dgm:styleLbl>
+  <dgm:styleLbl name="solidBgAcc1">
+    <dgm:scene3d>
+      <a:camera prst="orthographicFront"/>
+      <a:lightRig rig="threePt" dir="t"/>
+    </dgm:scene3d>
+    <dgm:sp3d/>
+    <dgm:txPr/>
+    <dgm:style>
+      <a:lnRef idx="2">
+        <a:scrgbClr r="0" g="0" b="0"/>
+      </a:lnRef>
+      <a:fillRef idx="1">
+        <a:scrgbClr r="0" g="0" b="0"/>
+      </a:fillRef>
+      <a:effectRef idx="0">
+        <a:scrgbClr r="0" g="0" b="0"/>
+      </a:effectRef>
+      <a:fontRef idx="minor"/>
+    </dgm:style>
+  </dgm:styleLbl>
+  <dgm:styleLbl name="fgAccFollowNode1">
+    <dgm:scene3d>
+      <a:camera prst="orthographicFront"/>
+      <a:lightRig rig="threePt" dir="t"/>
+    </dgm:scene3d>
+    <dgm:sp3d/>
+    <dgm:txPr/>
+    <dgm:style>
+      <a:lnRef idx="2">
+        <a:scrgbClr r="0" g="0" b="0"/>
+      </a:lnRef>
+      <a:fillRef idx="1">
+        <a:scrgbClr r="0" g="0" b="0"/>
+      </a:fillRef>
+      <a:effectRef idx="0">
+        <a:scrgbClr r="0" g="0" b="0"/>
+      </a:effectRef>
+      <a:fontRef idx="minor"/>
+    </dgm:style>
+  </dgm:styleLbl>
+  <dgm:styleLbl name="alignAccFollowNode1">
+    <dgm:scene3d>
+      <a:camera prst="orthographicFront"/>
+      <a:lightRig rig="threePt" dir="t"/>
+    </dgm:scene3d>
+    <dgm:sp3d/>
+    <dgm:txPr/>
+    <dgm:style>
+      <a:lnRef idx="2">
+        <a:scrgbClr r="0" g="0" b="0"/>
+      </a:lnRef>
+      <a:fillRef idx="1">
+        <a:scrgbClr r="0" g="0" b="0"/>
+      </a:fillRef>
+      <a:effectRef idx="0">
+        <a:scrgbClr r="0" g="0" b="0"/>
+      </a:effectRef>
+      <a:fontRef idx="minor"/>
+    </dgm:style>
+  </dgm:styleLbl>
+  <dgm:styleLbl name="bgAccFollowNode1">
+    <dgm:scene3d>
+      <a:camera prst="orthographicFront"/>
+      <a:lightRig rig="threePt" dir="t"/>
+    </dgm:scene3d>
+    <dgm:sp3d/>
+    <dgm:txPr/>
+    <dgm:style>
+      <a:lnRef idx="2">
+        <a:scrgbClr r="0" g="0" b="0"/>
+      </a:lnRef>
+      <a:fillRef idx="1">
+        <a:scrgbClr r="0" g="0" b="0"/>
+      </a:fillRef>
+      <a:effectRef idx="0">
+        <a:scrgbClr r="0" g="0" b="0"/>
+      </a:effectRef>
+      <a:fontRef idx="minor"/>
+    </dgm:style>
+  </dgm:styleLbl>
+  <dgm:styleLbl name="fgAcc0">
+    <dgm:scene3d>
+      <a:camera prst="orthographicFront"/>
+      <a:lightRig rig="threePt" dir="t"/>
+    </dgm:scene3d>
+    <dgm:sp3d/>
+    <dgm:txPr/>
+    <dgm:style>
+      <a:lnRef idx="2">
+        <a:scrgbClr r="0" g="0" b="0"/>
+      </a:lnRef>
+      <a:fillRef idx="1">
+        <a:scrgbClr r="0" g="0" b="0"/>
+      </a:fillRef>
+      <a:effectRef idx="0">
+        <a:scrgbClr r="0" g="0" b="0"/>
+      </a:effectRef>
+      <a:fontRef idx="minor"/>
+    </dgm:style>
+  </dgm:styleLbl>
+  <dgm:styleLbl name="fgAcc2">
+    <dgm:scene3d>
+      <a:camera prst="orthographicFront"/>
+      <a:lightRig rig="threePt" dir="t"/>
+    </dgm:scene3d>
+    <dgm:sp3d/>
+    <dgm:txPr/>
+    <dgm:style>
+      <a:lnRef idx="2">
+        <a:scrgbClr r="0" g="0" b="0"/>
+      </a:lnRef>
+      <a:fillRef idx="1">
+        <a:scrgbClr r="0" g="0" b="0"/>
+      </a:fillRef>
+      <a:effectRef idx="0">
+        <a:scrgbClr r="0" g="0" b="0"/>
+      </a:effectRef>
+      <a:fontRef idx="minor"/>
+    </dgm:style>
+  </dgm:styleLbl>
+  <dgm:styleLbl name="fgAcc3">
+    <dgm:scene3d>
+      <a:camera prst="orthographicFront"/>
+      <a:lightRig rig="threePt" dir="t"/>
+    </dgm:scene3d>
+    <dgm:sp3d/>
+    <dgm:txPr/>
+    <dgm:style>
+      <a:lnRef idx="2">
+        <a:scrgbClr r="0" g="0" b="0"/>
+      </a:lnRef>
+      <a:fillRef idx="1">
+        <a:scrgbClr r="0" g="0" b="0"/>
+      </a:fillRef>
+      <a:effectRef idx="0">
+        <a:scrgbClr r="0" g="0" b="0"/>
+      </a:effectRef>
+      <a:fontRef idx="minor"/>
+    </dgm:style>
+  </dgm:styleLbl>
+  <dgm:styleLbl name="fgAcc4">
+    <dgm:scene3d>
+      <a:camera prst="orthographicFront"/>
+      <a:lightRig rig="threePt" dir="t"/>
+    </dgm:scene3d>
+    <dgm:sp3d/>
+    <dgm:txPr/>
+    <dgm:style>
+      <a:lnRef idx="2">
+        <a:scrgbClr r="0" g="0" b="0"/>
+      </a:lnRef>
+      <a:fillRef idx="1">
+        <a:scrgbClr r="0" g="0" b="0"/>
+      </a:fillRef>
+      <a:effectRef idx="0">
+        <a:scrgbClr r="0" g="0" b="0"/>
+      </a:effectRef>
+      <a:fontRef idx="minor"/>
+    </dgm:style>
+  </dgm:styleLbl>
+  <dgm:styleLbl name="bgShp">
+    <dgm:scene3d>
+      <a:camera prst="orthographicFront"/>
+      <a:lightRig rig="threePt" dir="t"/>
+    </dgm:scene3d>
+    <dgm:sp3d/>
+    <dgm:txPr/>
+    <dgm:style>
+      <a:lnRef idx="0">
+        <a:scrgbClr r="0" g="0" b="0"/>
+      </a:lnRef>
+      <a:fillRef idx="1">
+        <a:scrgbClr r="0" g="0" b="0"/>
+      </a:fillRef>
+      <a:effectRef idx="0">
+        <a:scrgbClr r="0" g="0" b="0"/>
+      </a:effectRef>
+      <a:fontRef idx="minor"/>
+    </dgm:style>
+  </dgm:styleLbl>
+  <dgm:styleLbl name="dkBgShp">
+    <dgm:scene3d>
+      <a:camera prst="orthographicFront"/>
+      <a:lightRig rig="threePt" dir="t"/>
+    </dgm:scene3d>
+    <dgm:sp3d/>
+    <dgm:txPr/>
+    <dgm:style>
+      <a:lnRef idx="0">
+        <a:scrgbClr r="0" g="0" b="0"/>
+      </a:lnRef>
+      <a:fillRef idx="1">
+        <a:scrgbClr r="0" g="0" b="0"/>
+      </a:fillRef>
+      <a:effectRef idx="0">
+        <a:scrgbClr r="0" g="0" b="0"/>
+      </a:effectRef>
+      <a:fontRef idx="minor"/>
+    </dgm:style>
+  </dgm:styleLbl>
+  <dgm:styleLbl name="trBgShp">
+    <dgm:scene3d>
+      <a:camera prst="orthographicFront"/>
+      <a:lightRig rig="threePt" dir="t"/>
+    </dgm:scene3d>
+    <dgm:sp3d/>
+    <dgm:txPr/>
+    <dgm:style>
+      <a:lnRef idx="0">
+        <a:scrgbClr r="0" g="0" b="0"/>
+      </a:lnRef>
+      <a:fillRef idx="1">
+        <a:scrgbClr r="0" g="0" b="0"/>
+      </a:fillRef>
+      <a:effectRef idx="0">
+        <a:scrgbClr r="0" g="0" b="0"/>
+      </a:effectRef>
+      <a:fontRef idx="minor"/>
+    </dgm:style>
+  </dgm:styleLbl>
+  <dgm:styleLbl name="fgShp">
+    <dgm:scene3d>
+      <a:camera prst="orthographicFront"/>
+      <a:lightRig rig="threePt" dir="t"/>
+    </dgm:scene3d>
+    <dgm:sp3d/>
+    <dgm:txPr/>
+    <dgm:style>
+      <a:lnRef idx="2">
+        <a:scrgbClr r="0" g="0" b="0"/>
+      </a:lnRef>
+      <a:fillRef idx="1">
+        <a:scrgbClr r="0" g="0" b="0"/>
+      </a:fillRef>
+      <a:effectRef idx="0">
+        <a:scrgbClr r="0" g="0" b="0"/>
+      </a:effectRef>
+      <a:fontRef idx="minor"/>
+    </dgm:style>
+  </dgm:styleLbl>
+  <dgm:styleLbl name="revTx">
+    <dgm:scene3d>
+      <a:camera prst="orthographicFront"/>
+      <a:lightRig rig="threePt" dir="t"/>
+    </dgm:scene3d>
+    <dgm:sp3d/>
+    <dgm:txPr/>
+    <dgm:style>
+      <a:lnRef idx="0">
+        <a:scrgbClr r="0" g="0" b="0"/>
+      </a:lnRef>
+      <a:fillRef idx="0">
+        <a:scrgbClr r="0" g="0" b="0"/>
+      </a:fillRef>
+      <a:effectRef idx="0">
+        <a:scrgbClr r="0" g="0" b="0"/>
+      </a:effectRef>
+      <a:fontRef idx="minor"/>
+    </dgm:style>
+  </dgm:styleLbl>
+</dgm:styleDef>
+</file>
+
+<file path=ppt/diagrams/quickStyle2.xml><?xml version="1.0" encoding="utf-8"?>
 <dgm:styleDef xmlns:dgm="http://schemas.openxmlformats.org/drawingml/2006/diagram" xmlns:a="http://schemas.openxmlformats.org/drawingml/2006/main" uniqueId="urn:microsoft.com/office/officeart/2005/8/quickstyle/simple1">
   <dgm:title val=""/>
   <dgm:desc val=""/>
@@ -7110,6 +10098,129 @@
           <p:cNvPr id="2" name="Titel 1">
             <a:extLst>
               <a:ext uri="{FF2B5EF4-FFF2-40B4-BE49-F238E27FC236}">
+                <a16:creationId xmlns:a16="http://schemas.microsoft.com/office/drawing/2014/main" id="{2ACA1CF7-FC6C-406D-AE00-D0E998C5C2F6}"/>
+              </a:ext>
+            </a:extLst>
+          </p:cNvPr>
+          <p:cNvSpPr>
+            <a:spLocks noGrp="1"/>
+          </p:cNvSpPr>
+          <p:nvPr>
+            <p:ph type="title"/>
+          </p:nvPr>
+        </p:nvSpPr>
+        <p:spPr>
+          <a:xfrm>
+            <a:off x="874712" y="346075"/>
+            <a:ext cx="10580687" cy="684213"/>
+          </a:xfrm>
+        </p:spPr>
+        <p:txBody>
+          <a:bodyPr/>
+          <a:lstStyle/>
+          <a:p>
+            <a:r>
+              <a:rPr lang="de-DE" dirty="0"/>
+              <a:t>Implementierung eines eigenen Health-Care-Skills</a:t>
+            </a:r>
+          </a:p>
+        </p:txBody>
+      </p:sp>
+      <p:sp>
+        <p:nvSpPr>
+          <p:cNvPr id="3" name="Inhaltsplatzhalter 2">
+            <a:extLst>
+              <a:ext uri="{FF2B5EF4-FFF2-40B4-BE49-F238E27FC236}">
+                <a16:creationId xmlns:a16="http://schemas.microsoft.com/office/drawing/2014/main" id="{405E06F6-1E0B-4AE0-AEDA-7D80B701529C}"/>
+              </a:ext>
+            </a:extLst>
+          </p:cNvPr>
+          <p:cNvSpPr>
+            <a:spLocks noGrp="1"/>
+          </p:cNvSpPr>
+          <p:nvPr>
+            <p:ph sz="quarter" idx="10"/>
+          </p:nvPr>
+        </p:nvSpPr>
+        <p:spPr/>
+        <p:txBody>
+          <a:bodyPr/>
+          <a:lstStyle/>
+          <a:p>
+            <a:pPr marL="285750" indent="-285750">
+              <a:buFont typeface="Arial" panose="020B0604020202020204" pitchFamily="34" charset="0"/>
+              <a:buChar char="•"/>
+            </a:pPr>
+            <a:r>
+              <a:rPr lang="de-DE" dirty="0"/>
+              <a:t>Vorstellung von </a:t>
+            </a:r>
+            <a:r>
+              <a:rPr lang="de-DE" dirty="0" err="1"/>
+              <a:t>Mycroft</a:t>
+            </a:r>
+            <a:r>
+              <a:rPr lang="de-DE" dirty="0"/>
+              <a:t>-Funktionen mit einem Beispielskill</a:t>
+            </a:r>
+          </a:p>
+          <a:p>
+            <a:pPr marL="285750" indent="-285750">
+              <a:buFont typeface="Arial" panose="020B0604020202020204" pitchFamily="34" charset="0"/>
+              <a:buChar char="•"/>
+            </a:pPr>
+            <a:r>
+              <a:rPr lang="de-DE" dirty="0"/>
+              <a:t>Speicherung von Patienten in einer Datenstruktur</a:t>
+            </a:r>
+          </a:p>
+          <a:p>
+            <a:pPr marL="285750" indent="-285750">
+              <a:buFont typeface="Arial" panose="020B0604020202020204" pitchFamily="34" charset="0"/>
+              <a:buChar char="•"/>
+            </a:pPr>
+            <a:r>
+              <a:rPr lang="de-DE" dirty="0"/>
+              <a:t>Zuordnung von Herzraten zu den Patienten</a:t>
+            </a:r>
+          </a:p>
+        </p:txBody>
+      </p:sp>
+    </p:spTree>
+    <p:extLst>
+      <p:ext uri="{BB962C8B-B14F-4D97-AF65-F5344CB8AC3E}">
+        <p14:creationId xmlns:p14="http://schemas.microsoft.com/office/powerpoint/2010/main" val="2129302654"/>
+      </p:ext>
+    </p:extLst>
+  </p:cSld>
+  <p:clrMapOvr>
+    <a:masterClrMapping/>
+  </p:clrMapOvr>
+</p:sld>
+</file>
+
+<file path=ppt/slides/slide11.xml><?xml version="1.0" encoding="utf-8"?>
+<p:sld xmlns:a="http://schemas.openxmlformats.org/drawingml/2006/main" xmlns:r="http://schemas.openxmlformats.org/officeDocument/2006/relationships" xmlns:p="http://schemas.openxmlformats.org/presentationml/2006/main">
+  <p:cSld>
+    <p:spTree>
+      <p:nvGrpSpPr>
+        <p:cNvPr id="1" name=""/>
+        <p:cNvGrpSpPr/>
+        <p:nvPr/>
+      </p:nvGrpSpPr>
+      <p:grpSpPr>
+        <a:xfrm>
+          <a:off x="0" y="0"/>
+          <a:ext cx="0" cy="0"/>
+          <a:chOff x="0" y="0"/>
+          <a:chExt cx="0" cy="0"/>
+        </a:xfrm>
+      </p:grpSpPr>
+      <p:sp>
+        <p:nvSpPr>
+          <p:cNvPr id="2" name="Titel 1">
+            <a:extLst>
+              <a:ext uri="{FF2B5EF4-FFF2-40B4-BE49-F238E27FC236}">
                 <a16:creationId xmlns:a16="http://schemas.microsoft.com/office/drawing/2014/main" id="{AEC72A1C-E8B6-4BA3-9F2D-E531358AEF8B}"/>
               </a:ext>
             </a:extLst>
@@ -7158,12 +10269,48 @@
           <a:p>
             <a:pPr algn="ctr"/>
             <a:r>
-              <a:rPr lang="de-DE" dirty="0"/>
+              <a:rPr lang="de-DE" sz="2400" dirty="0"/>
               <a:t>Vielen Dank für Ihre Aufmerksamkeit!</a:t>
             </a:r>
           </a:p>
         </p:txBody>
       </p:sp>
+      <p:pic>
+        <p:nvPicPr>
+          <p:cNvPr id="5" name="Grafik 4" descr="Ein Bild, das Raum enthält.&#10;&#10;Automatisch generierte Beschreibung">
+            <a:extLst>
+              <a:ext uri="{FF2B5EF4-FFF2-40B4-BE49-F238E27FC236}">
+                <a16:creationId xmlns:a16="http://schemas.microsoft.com/office/drawing/2014/main" id="{AB756294-2400-4F75-AA8A-F8364B37828D}"/>
+              </a:ext>
+            </a:extLst>
+          </p:cNvPr>
+          <p:cNvPicPr>
+            <a:picLocks noChangeAspect="1"/>
+          </p:cNvPicPr>
+          <p:nvPr/>
+        </p:nvPicPr>
+        <p:blipFill>
+          <a:blip r:embed="rId2">
+            <a:extLst>
+              <a:ext uri="{28A0092B-C50C-407E-A947-70E740481C1C}">
+                <a14:useLocalDpi xmlns:a14="http://schemas.microsoft.com/office/drawing/2010/main" val="0"/>
+              </a:ext>
+            </a:extLst>
+          </a:blip>
+          <a:stretch>
+            <a:fillRect/>
+          </a:stretch>
+        </p:blipFill>
+        <p:spPr>
+          <a:xfrm>
+            <a:off x="3055977" y="2060794"/>
+            <a:ext cx="6080046" cy="3192024"/>
+          </a:xfrm>
+          <a:prstGeom prst="rect">
+            <a:avLst/>
+          </a:prstGeom>
+        </p:spPr>
+      </p:pic>
     </p:spTree>
     <p:extLst>
       <p:ext uri="{BB962C8B-B14F-4D97-AF65-F5344CB8AC3E}">
@@ -7177,7 +10324,7 @@
 </p:sld>
 </file>
 
-<file path=ppt/slides/slide11.xml><?xml version="1.0" encoding="utf-8"?>
+<file path=ppt/slides/slide12.xml><?xml version="1.0" encoding="utf-8"?>
 <p:sld xmlns:a="http://schemas.openxmlformats.org/drawingml/2006/main" xmlns:r="http://schemas.openxmlformats.org/officeDocument/2006/relationships" xmlns:p="http://schemas.openxmlformats.org/presentationml/2006/main">
   <p:cSld>
     <p:spTree>
@@ -7523,7 +10670,7 @@
             <p:ph sz="quarter" idx="10"/>
             <p:extLst>
               <p:ext uri="{D42A27DB-BD31-4B8C-83A1-F6EECF244321}">
-                <p14:modId xmlns:p14="http://schemas.microsoft.com/office/powerpoint/2010/main" val="2286268680"/>
+                <p14:modId xmlns:p14="http://schemas.microsoft.com/office/powerpoint/2010/main" val="910491962"/>
               </p:ext>
             </p:extLst>
           </p:nvPr>
@@ -7554,6 +10701,14 @@
 <file path=ppt/slides/slide4.xml><?xml version="1.0" encoding="utf-8"?>
 <p:sld xmlns:a="http://schemas.openxmlformats.org/drawingml/2006/main" xmlns:r="http://schemas.openxmlformats.org/officeDocument/2006/relationships" xmlns:p="http://schemas.openxmlformats.org/presentationml/2006/main">
   <p:cSld>
+    <p:bg>
+      <p:bgPr>
+        <a:solidFill>
+          <a:schemeClr val="bg1"/>
+        </a:solidFill>
+        <a:effectLst/>
+      </p:bgPr>
+    </p:bg>
     <p:spTree>
       <p:nvGrpSpPr>
         <p:cNvPr id="1" name=""/>
@@ -7584,46 +10739,70 @@
             <p:ph type="title"/>
           </p:nvPr>
         </p:nvSpPr>
-        <p:spPr/>
+        <p:spPr>
+          <a:xfrm>
+            <a:off x="874712" y="346075"/>
+            <a:ext cx="10580687" cy="684213"/>
+          </a:xfrm>
+          <a:prstGeom prst="rect">
+            <a:avLst/>
+          </a:prstGeom>
+          <a:ln>
+            <a:noFill/>
+          </a:ln>
+        </p:spPr>
         <p:txBody>
-          <a:bodyPr/>
+          <a:bodyPr anchor="t">
+            <a:normAutofit/>
+          </a:bodyPr>
           <a:lstStyle/>
           <a:p>
             <a:r>
               <a:rPr lang="de-DE" dirty="0"/>
-              <a:t>Überblick Mycroft.ai	</a:t>
+              <a:t>Datenverarbeitung mit Mycroft.ai	</a:t>
             </a:r>
           </a:p>
         </p:txBody>
       </p:sp>
-      <p:sp>
-        <p:nvSpPr>
-          <p:cNvPr id="3" name="Inhaltsplatzhalter 2">
+      <p:pic>
+        <p:nvPicPr>
+          <p:cNvPr id="5" name="Inhaltsplatzhalter 4">
             <a:extLst>
               <a:ext uri="{FF2B5EF4-FFF2-40B4-BE49-F238E27FC236}">
-                <a16:creationId xmlns:a16="http://schemas.microsoft.com/office/drawing/2014/main" id="{0CBA7610-BCDF-4FBB-BAF9-C5794D3910A3}"/>
+                <a16:creationId xmlns:a16="http://schemas.microsoft.com/office/drawing/2014/main" id="{729D772E-D3A2-4BCE-BB87-B99C56AEC6D0}"/>
               </a:ext>
             </a:extLst>
           </p:cNvPr>
-          <p:cNvSpPr>
-            <a:spLocks noGrp="1"/>
-          </p:cNvSpPr>
+          <p:cNvPicPr>
+            <a:picLocks noGrp="1" noChangeAspect="1"/>
+          </p:cNvPicPr>
           <p:nvPr>
             <p:ph sz="quarter" idx="10"/>
           </p:nvPr>
-        </p:nvSpPr>
-        <p:spPr/>
-        <p:txBody>
-          <a:bodyPr/>
-          <a:lstStyle/>
-          <a:p>
-            <a:r>
-              <a:rPr lang="de-DE" dirty="0"/>
-              <a:t>Grafik einfügen</a:t>
-            </a:r>
-          </a:p>
-        </p:txBody>
-      </p:sp>
+        </p:nvPicPr>
+        <p:blipFill>
+          <a:blip r:embed="rId2">
+            <a:extLst>
+              <a:ext uri="{28A0092B-C50C-407E-A947-70E740481C1C}">
+                <a14:useLocalDpi xmlns:a14="http://schemas.microsoft.com/office/drawing/2010/main" val="0"/>
+              </a:ext>
+            </a:extLst>
+          </a:blip>
+          <a:stretch>
+            <a:fillRect/>
+          </a:stretch>
+        </p:blipFill>
+        <p:spPr>
+          <a:xfrm>
+            <a:off x="892424" y="1256506"/>
+            <a:ext cx="10407151" cy="4344987"/>
+          </a:xfrm>
+          <a:prstGeom prst="rect">
+            <a:avLst/>
+          </a:prstGeom>
+          <a:noFill/>
+        </p:spPr>
+      </p:pic>
     </p:spTree>
     <p:extLst>
       <p:ext uri="{BB962C8B-B14F-4D97-AF65-F5344CB8AC3E}">
@@ -7912,16 +11091,6 @@
             </a:pPr>
             <a:r>
               <a:rPr lang="de-DE" dirty="0"/>
-              <a:t>Offline-Nutzbarkeit</a:t>
-            </a:r>
-          </a:p>
-          <a:p>
-            <a:pPr marL="285750" indent="-285750">
-              <a:buFont typeface="Arial" panose="020B0604020202020204" pitchFamily="34" charset="0"/>
-              <a:buChar char="•"/>
-            </a:pPr>
-            <a:r>
-              <a:rPr lang="de-DE" dirty="0"/>
               <a:t>Benutzerfreundliches Command-Line-Interface</a:t>
             </a:r>
           </a:p>
@@ -8181,8 +11350,88 @@
               <a:buChar char="•"/>
             </a:pPr>
             <a:r>
-              <a:rPr lang="de-DE"/>
+              <a:rPr lang="de-DE" dirty="0"/>
+              <a:t>Pflegekraft</a:t>
+            </a:r>
+          </a:p>
+          <a:p>
+            <a:pPr marL="681692" lvl="1" indent="-285750">
+              <a:buFont typeface="Arial" panose="020B0604020202020204" pitchFamily="34" charset="0"/>
+              <a:buChar char="•"/>
+            </a:pPr>
+            <a:r>
+              <a:rPr lang="de-DE" dirty="0"/>
+              <a:t>Aufzeichnung von Patientendaten</a:t>
+            </a:r>
+          </a:p>
+          <a:p>
+            <a:pPr marL="681692" lvl="1" indent="-285750">
+              <a:buFont typeface="Arial" panose="020B0604020202020204" pitchFamily="34" charset="0"/>
+              <a:buChar char="•"/>
+            </a:pPr>
+            <a:r>
+              <a:rPr lang="de-DE" dirty="0"/>
+              <a:t>Abruf von Daten</a:t>
+            </a:r>
+          </a:p>
+          <a:p>
+            <a:pPr marL="681692" lvl="1" indent="-285750">
+              <a:buFont typeface="Arial" panose="020B0604020202020204" pitchFamily="34" charset="0"/>
+              <a:buChar char="•"/>
+            </a:pPr>
+            <a:r>
+              <a:rPr lang="de-DE" dirty="0"/>
+              <a:t>Bessere Organisation von Patientendaten</a:t>
+            </a:r>
+          </a:p>
+          <a:p>
+            <a:pPr marL="285750" lvl="2" indent="-285750">
+              <a:buFont typeface="Arial" panose="020B0604020202020204" pitchFamily="34" charset="0"/>
+              <a:buChar char="•"/>
+            </a:pPr>
+            <a:r>
+              <a:rPr lang="de-DE" sz="1600" dirty="0"/>
+              <a:t>Patient</a:t>
+            </a:r>
+          </a:p>
+          <a:p>
+            <a:pPr marL="681692" lvl="3" indent="-285750">
+              <a:buFont typeface="Arial" panose="020B0604020202020204" pitchFamily="34" charset="0"/>
+              <a:buChar char="•"/>
+            </a:pPr>
+            <a:r>
+              <a:rPr lang="de-DE" sz="1600" dirty="0"/>
               <a:t>Automatische Erinnerungen</a:t>
+            </a:r>
+          </a:p>
+          <a:p>
+            <a:pPr marL="681692" lvl="3" indent="-285750">
+              <a:buFont typeface="Arial" panose="020B0604020202020204" pitchFamily="34" charset="0"/>
+              <a:buChar char="•"/>
+            </a:pPr>
+            <a:r>
+              <a:rPr lang="de-DE" sz="1600" dirty="0"/>
+              <a:t>Abruf von Informationen</a:t>
+            </a:r>
+          </a:p>
+          <a:p>
+            <a:pPr marL="681692" lvl="3" indent="-285750">
+              <a:buFont typeface="Arial" panose="020B0604020202020204" pitchFamily="34" charset="0"/>
+              <a:buChar char="•"/>
+            </a:pPr>
+            <a:r>
+              <a:rPr lang="de-DE" sz="1600" dirty="0"/>
+              <a:t>Aufzeichnung von Symptomen</a:t>
+            </a:r>
+          </a:p>
+          <a:p>
+            <a:pPr marL="681692" lvl="3" indent="-285750">
+              <a:buFont typeface="Arial" panose="020B0604020202020204" pitchFamily="34" charset="0"/>
+              <a:buChar char="•"/>
+            </a:pPr>
+            <a:r>
+              <a:rPr lang="de-DE" sz="1600" dirty="0"/>
+              <a:t>Handlungsempfehlungen für leichte Krankheiten abfragen</a:t>
             </a:r>
           </a:p>
           <a:p>
@@ -8229,7 +11478,7 @@
           <p:cNvPr id="2" name="Titel 1">
             <a:extLst>
               <a:ext uri="{FF2B5EF4-FFF2-40B4-BE49-F238E27FC236}">
-                <a16:creationId xmlns:a16="http://schemas.microsoft.com/office/drawing/2014/main" id="{2ACA1CF7-FC6C-406D-AE00-D0E998C5C2F6}"/>
+                <a16:creationId xmlns:a16="http://schemas.microsoft.com/office/drawing/2014/main" id="{79B34140-E699-45C1-9E59-A12393D50385}"/>
               </a:ext>
             </a:extLst>
           </p:cNvPr>
@@ -8247,75 +11496,46 @@
           <a:p>
             <a:r>
               <a:rPr lang="de-DE" dirty="0"/>
-              <a:t>Implementierung eines eigenen Health-Care-Skills</a:t>
+              <a:t>Eignung von Mycroft.ai für den Health-Care-Bereich</a:t>
             </a:r>
           </a:p>
         </p:txBody>
       </p:sp>
-      <p:sp>
-        <p:nvSpPr>
-          <p:cNvPr id="3" name="Inhaltsplatzhalter 2">
+      <p:graphicFrame>
+        <p:nvGraphicFramePr>
+          <p:cNvPr id="8" name="Inhaltsplatzhalter 7">
             <a:extLst>
               <a:ext uri="{FF2B5EF4-FFF2-40B4-BE49-F238E27FC236}">
-                <a16:creationId xmlns:a16="http://schemas.microsoft.com/office/drawing/2014/main" id="{405E06F6-1E0B-4AE0-AEDA-7D80B701529C}"/>
+                <a16:creationId xmlns:a16="http://schemas.microsoft.com/office/drawing/2014/main" id="{6E824F79-D6EF-4D21-8C1D-DD0BBA064B40}"/>
               </a:ext>
             </a:extLst>
           </p:cNvPr>
-          <p:cNvSpPr>
-            <a:spLocks noGrp="1"/>
-          </p:cNvSpPr>
+          <p:cNvGraphicFramePr>
+            <a:graphicFrameLocks noGrp="1"/>
+          </p:cNvGraphicFramePr>
           <p:nvPr>
             <p:ph sz="quarter" idx="10"/>
+            <p:extLst>
+              <p:ext uri="{D42A27DB-BD31-4B8C-83A1-F6EECF244321}">
+                <p14:modId xmlns:p14="http://schemas.microsoft.com/office/powerpoint/2010/main" val="3036239619"/>
+              </p:ext>
+            </p:extLst>
           </p:nvPr>
-        </p:nvSpPr>
-        <p:spPr/>
-        <p:txBody>
-          <a:bodyPr/>
-          <a:lstStyle/>
-          <a:p>
-            <a:pPr marL="285750" indent="-285750">
-              <a:buFont typeface="Arial" panose="020B0604020202020204" pitchFamily="34" charset="0"/>
-              <a:buChar char="•"/>
-            </a:pPr>
-            <a:r>
-              <a:rPr lang="de-DE" dirty="0"/>
-              <a:t>Vorstellung von </a:t>
-            </a:r>
-            <a:r>
-              <a:rPr lang="de-DE" dirty="0" err="1"/>
-              <a:t>Mycroft</a:t>
-            </a:r>
-            <a:r>
-              <a:rPr lang="de-DE" dirty="0"/>
-              <a:t>-Funktionen mit einem Beispielskill</a:t>
-            </a:r>
-          </a:p>
-          <a:p>
-            <a:pPr marL="285750" indent="-285750">
-              <a:buFont typeface="Arial" panose="020B0604020202020204" pitchFamily="34" charset="0"/>
-              <a:buChar char="•"/>
-            </a:pPr>
-            <a:r>
-              <a:rPr lang="de-DE" dirty="0"/>
-              <a:t>Speicherung von Patienten in einer Datenstruktur</a:t>
-            </a:r>
-          </a:p>
-          <a:p>
-            <a:pPr marL="285750" indent="-285750">
-              <a:buFont typeface="Arial" panose="020B0604020202020204" pitchFamily="34" charset="0"/>
-              <a:buChar char="•"/>
-            </a:pPr>
-            <a:r>
-              <a:rPr lang="de-DE" dirty="0"/>
-              <a:t>Zuordnung von Herzraten zu den Patienten</a:t>
-            </a:r>
-          </a:p>
-        </p:txBody>
-      </p:sp>
+        </p:nvGraphicFramePr>
+        <p:xfrm>
+          <a:off x="874711" y="1256506"/>
+          <a:ext cx="10580687" cy="4344987"/>
+        </p:xfrm>
+        <a:graphic>
+          <a:graphicData uri="http://schemas.openxmlformats.org/drawingml/2006/diagram">
+            <dgm:relIds xmlns:dgm="http://schemas.openxmlformats.org/drawingml/2006/diagram" xmlns:r="http://schemas.openxmlformats.org/officeDocument/2006/relationships" r:dm="rId2" r:lo="rId3" r:qs="rId4" r:cs="rId5"/>
+          </a:graphicData>
+        </a:graphic>
+      </p:graphicFrame>
     </p:spTree>
     <p:extLst>
       <p:ext uri="{BB962C8B-B14F-4D97-AF65-F5344CB8AC3E}">
-        <p14:creationId xmlns:p14="http://schemas.microsoft.com/office/powerpoint/2010/main" val="2129302654"/>
+        <p14:creationId xmlns:p14="http://schemas.microsoft.com/office/powerpoint/2010/main" val="2503110738"/>
       </p:ext>
     </p:extLst>
   </p:cSld>
